--- a/_posts/ithome/2021/14.隨機森林/14.隨機森林.pptx
+++ b/_posts/ithome/2021/14.隨機森林/14.隨機森林.pptx
@@ -7,6 +7,8 @@
   <p:sldIdLst>
     <p:sldId id="256" r:id="rId2"/>
     <p:sldId id="257" r:id="rId3"/>
+    <p:sldId id="258" r:id="rId4"/>
+    <p:sldId id="259" r:id="rId5"/>
   </p:sldIdLst>
   <p:sldSz cx="12192000" cy="6858000"/>
   <p:notesSz cx="6858000" cy="9144000"/>
@@ -105,6 +107,11 @@
       </a:defRPr>
     </a:lvl9pPr>
   </p:defaultTextStyle>
+  <p:extLst>
+    <p:ext uri="{EFAFB233-063F-42B5-8137-9DF3F51BA10A}">
+      <p15:sldGuideLst xmlns:p15="http://schemas.microsoft.com/office/powerpoint/2012/main"/>
+    </p:ext>
+  </p:extLst>
 </p:presentation>
 </file>
 
@@ -257,7 +264,7 @@
           <a:p>
             <a:fld id="{31A09DA0-4F0A-5845-B184-B685BD96C299}" type="datetimeFigureOut">
               <a:rPr lang="en-TW" smtClean="0"/>
-              <a:t>2021/9/13</a:t>
+              <a:t>2021/9/14</a:t>
             </a:fld>
             <a:endParaRPr lang="en-TW"/>
           </a:p>
@@ -457,7 +464,7 @@
           <a:p>
             <a:fld id="{31A09DA0-4F0A-5845-B184-B685BD96C299}" type="datetimeFigureOut">
               <a:rPr lang="en-TW" smtClean="0"/>
-              <a:t>2021/9/13</a:t>
+              <a:t>2021/9/14</a:t>
             </a:fld>
             <a:endParaRPr lang="en-TW"/>
           </a:p>
@@ -667,7 +674,7 @@
           <a:p>
             <a:fld id="{31A09DA0-4F0A-5845-B184-B685BD96C299}" type="datetimeFigureOut">
               <a:rPr lang="en-TW" smtClean="0"/>
-              <a:t>2021/9/13</a:t>
+              <a:t>2021/9/14</a:t>
             </a:fld>
             <a:endParaRPr lang="en-TW"/>
           </a:p>
@@ -867,7 +874,7 @@
           <a:p>
             <a:fld id="{31A09DA0-4F0A-5845-B184-B685BD96C299}" type="datetimeFigureOut">
               <a:rPr lang="en-TW" smtClean="0"/>
-              <a:t>2021/9/13</a:t>
+              <a:t>2021/9/14</a:t>
             </a:fld>
             <a:endParaRPr lang="en-TW"/>
           </a:p>
@@ -1143,7 +1150,7 @@
           <a:p>
             <a:fld id="{31A09DA0-4F0A-5845-B184-B685BD96C299}" type="datetimeFigureOut">
               <a:rPr lang="en-TW" smtClean="0"/>
-              <a:t>2021/9/13</a:t>
+              <a:t>2021/9/14</a:t>
             </a:fld>
             <a:endParaRPr lang="en-TW"/>
           </a:p>
@@ -1411,7 +1418,7 @@
           <a:p>
             <a:fld id="{31A09DA0-4F0A-5845-B184-B685BD96C299}" type="datetimeFigureOut">
               <a:rPr lang="en-TW" smtClean="0"/>
-              <a:t>2021/9/13</a:t>
+              <a:t>2021/9/14</a:t>
             </a:fld>
             <a:endParaRPr lang="en-TW"/>
           </a:p>
@@ -1826,7 +1833,7 @@
           <a:p>
             <a:fld id="{31A09DA0-4F0A-5845-B184-B685BD96C299}" type="datetimeFigureOut">
               <a:rPr lang="en-TW" smtClean="0"/>
-              <a:t>2021/9/13</a:t>
+              <a:t>2021/9/14</a:t>
             </a:fld>
             <a:endParaRPr lang="en-TW"/>
           </a:p>
@@ -1968,7 +1975,7 @@
           <a:p>
             <a:fld id="{31A09DA0-4F0A-5845-B184-B685BD96C299}" type="datetimeFigureOut">
               <a:rPr lang="en-TW" smtClean="0"/>
-              <a:t>2021/9/13</a:t>
+              <a:t>2021/9/14</a:t>
             </a:fld>
             <a:endParaRPr lang="en-TW"/>
           </a:p>
@@ -2081,7 +2088,7 @@
           <a:p>
             <a:fld id="{31A09DA0-4F0A-5845-B184-B685BD96C299}" type="datetimeFigureOut">
               <a:rPr lang="en-TW" smtClean="0"/>
-              <a:t>2021/9/13</a:t>
+              <a:t>2021/9/14</a:t>
             </a:fld>
             <a:endParaRPr lang="en-TW"/>
           </a:p>
@@ -2394,7 +2401,7 @@
           <a:p>
             <a:fld id="{31A09DA0-4F0A-5845-B184-B685BD96C299}" type="datetimeFigureOut">
               <a:rPr lang="en-TW" smtClean="0"/>
-              <a:t>2021/9/13</a:t>
+              <a:t>2021/9/14</a:t>
             </a:fld>
             <a:endParaRPr lang="en-TW"/>
           </a:p>
@@ -2683,7 +2690,7 @@
           <a:p>
             <a:fld id="{31A09DA0-4F0A-5845-B184-B685BD96C299}" type="datetimeFigureOut">
               <a:rPr lang="en-TW" smtClean="0"/>
-              <a:t>2021/9/13</a:t>
+              <a:t>2021/9/14</a:t>
             </a:fld>
             <a:endParaRPr lang="en-TW"/>
           </a:p>
@@ -2926,7 +2933,7 @@
           <a:p>
             <a:fld id="{31A09DA0-4F0A-5845-B184-B685BD96C299}" type="datetimeFigureOut">
               <a:rPr lang="en-TW" smtClean="0"/>
-              <a:t>2021/9/13</a:t>
+              <a:t>2021/9/14</a:t>
             </a:fld>
             <a:endParaRPr lang="en-TW"/>
           </a:p>
@@ -4118,6 +4125,349 @@
 </p:sld>
 </file>
 
+<file path=ppt/slides/slide3.xml><?xml version="1.0" encoding="utf-8"?>
+<p:sld xmlns:a="http://schemas.openxmlformats.org/drawingml/2006/main" xmlns:r="http://schemas.openxmlformats.org/officeDocument/2006/relationships" xmlns:p="http://schemas.openxmlformats.org/presentationml/2006/main">
+  <p:cSld>
+    <p:spTree>
+      <p:nvGrpSpPr>
+        <p:cNvPr id="1" name=""/>
+        <p:cNvGrpSpPr/>
+        <p:nvPr/>
+      </p:nvGrpSpPr>
+      <p:grpSpPr>
+        <a:xfrm>
+          <a:off x="0" y="0"/>
+          <a:ext cx="0" cy="0"/>
+          <a:chOff x="0" y="0"/>
+          <a:chExt cx="0" cy="0"/>
+        </a:xfrm>
+      </p:grpSpPr>
+      <p:pic>
+        <p:nvPicPr>
+          <p:cNvPr id="3" name="Picture 2">
+            <a:extLst>
+              <a:ext uri="{FF2B5EF4-FFF2-40B4-BE49-F238E27FC236}">
+                <a16:creationId xmlns:a16="http://schemas.microsoft.com/office/drawing/2014/main" id="{3B2FAE24-577B-B740-B6B3-5096ED3CFB9E}"/>
+              </a:ext>
+            </a:extLst>
+          </p:cNvPr>
+          <p:cNvPicPr>
+            <a:picLocks noChangeAspect="1"/>
+          </p:cNvPicPr>
+          <p:nvPr/>
+        </p:nvPicPr>
+        <p:blipFill>
+          <a:blip r:embed="rId2"/>
+          <a:stretch>
+            <a:fillRect/>
+          </a:stretch>
+        </p:blipFill>
+        <p:spPr>
+          <a:xfrm>
+            <a:off x="1562868" y="1329800"/>
+            <a:ext cx="3203686" cy="3152014"/>
+          </a:xfrm>
+          <a:prstGeom prst="rect">
+            <a:avLst/>
+          </a:prstGeom>
+        </p:spPr>
+      </p:pic>
+      <p:pic>
+        <p:nvPicPr>
+          <p:cNvPr id="5" name="Picture 4">
+            <a:extLst>
+              <a:ext uri="{FF2B5EF4-FFF2-40B4-BE49-F238E27FC236}">
+                <a16:creationId xmlns:a16="http://schemas.microsoft.com/office/drawing/2014/main" id="{4DA7601C-B909-3449-93FF-B5C45A8006A5}"/>
+              </a:ext>
+            </a:extLst>
+          </p:cNvPr>
+          <p:cNvPicPr>
+            <a:picLocks noChangeAspect="1"/>
+          </p:cNvPicPr>
+          <p:nvPr/>
+        </p:nvPicPr>
+        <p:blipFill>
+          <a:blip r:embed="rId3"/>
+          <a:stretch>
+            <a:fillRect/>
+          </a:stretch>
+        </p:blipFill>
+        <p:spPr>
+          <a:xfrm>
+            <a:off x="6275350" y="1347024"/>
+            <a:ext cx="3134790" cy="3134790"/>
+          </a:xfrm>
+          <a:prstGeom prst="rect">
+            <a:avLst/>
+          </a:prstGeom>
+        </p:spPr>
+      </p:pic>
+      <p:sp>
+        <p:nvSpPr>
+          <p:cNvPr id="6" name="Rounded Rectangle 5">
+            <a:extLst>
+              <a:ext uri="{FF2B5EF4-FFF2-40B4-BE49-F238E27FC236}">
+                <a16:creationId xmlns:a16="http://schemas.microsoft.com/office/drawing/2014/main" id="{EE8C7448-BFF9-6A43-97AD-FF491DB49A0B}"/>
+              </a:ext>
+            </a:extLst>
+          </p:cNvPr>
+          <p:cNvSpPr/>
+          <p:nvPr/>
+        </p:nvSpPr>
+        <p:spPr>
+          <a:xfrm>
+            <a:off x="2628706" y="4761456"/>
+            <a:ext cx="1222744" cy="353683"/>
+          </a:xfrm>
+          <a:prstGeom prst="roundRect">
+            <a:avLst/>
+          </a:prstGeom>
+          <a:solidFill>
+            <a:srgbClr val="D2A66C"/>
+          </a:solidFill>
+          <a:ln w="12700" cap="flat" cmpd="sng" algn="ctr">
+            <a:noFill/>
+            <a:prstDash val="solid"/>
+            <a:miter lim="800000"/>
+          </a:ln>
+          <a:effectLst/>
+        </p:spPr>
+        <p:txBody>
+          <a:bodyPr rtlCol="0" anchor="ctr"/>
+          <a:lstStyle/>
+          <a:p>
+            <a:pPr marL="0" marR="0" lvl="0" indent="0" algn="ctr" defTabSz="914377" eaLnBrk="1" fontAlgn="auto" latinLnBrk="0" hangingPunct="1">
+              <a:lnSpc>
+                <a:spcPct val="130000"/>
+              </a:lnSpc>
+              <a:spcBef>
+                <a:spcPts val="0"/>
+              </a:spcBef>
+              <a:spcAft>
+                <a:spcPts val="0"/>
+              </a:spcAft>
+              <a:buClrTx/>
+              <a:buSzTx/>
+              <a:buFontTx/>
+              <a:buNone/>
+              <a:tabLst/>
+              <a:defRPr/>
+            </a:pPr>
+            <a:r>
+              <a:rPr lang="en-TW" sz="1400" kern="0" dirty="0">
+                <a:solidFill>
+                  <a:srgbClr val="FFFFFF"/>
+                </a:solidFill>
+                <a:latin typeface="微软雅黑" panose="020B0503020204020204" pitchFamily="34" charset="-122"/>
+                <a:ea typeface="微软雅黑" panose="020B0503020204020204" pitchFamily="34" charset="-122"/>
+              </a:rPr>
+              <a:t>真實分類</a:t>
+            </a:r>
+            <a:endParaRPr kumimoji="0" lang="en-TW" sz="1400" b="0" i="0" u="none" strike="noStrike" kern="0" cap="none" spc="0" normalizeH="0" baseline="0" noProof="0" dirty="0">
+              <a:ln>
+                <a:noFill/>
+              </a:ln>
+              <a:solidFill>
+                <a:srgbClr val="FFFFFF"/>
+              </a:solidFill>
+              <a:effectLst/>
+              <a:uLnTx/>
+              <a:uFillTx/>
+              <a:latin typeface="微软雅黑" panose="020B0503020204020204" pitchFamily="34" charset="-122"/>
+              <a:ea typeface="微软雅黑" panose="020B0503020204020204" pitchFamily="34" charset="-122"/>
+              <a:cs typeface="+mn-cs"/>
+            </a:endParaRPr>
+          </a:p>
+        </p:txBody>
+      </p:sp>
+      <p:sp>
+        <p:nvSpPr>
+          <p:cNvPr id="7" name="Rounded Rectangle 6">
+            <a:extLst>
+              <a:ext uri="{FF2B5EF4-FFF2-40B4-BE49-F238E27FC236}">
+                <a16:creationId xmlns:a16="http://schemas.microsoft.com/office/drawing/2014/main" id="{5FAA3796-4FCB-FD48-93DF-EBEED4CD0E62}"/>
+              </a:ext>
+            </a:extLst>
+          </p:cNvPr>
+          <p:cNvSpPr/>
+          <p:nvPr/>
+        </p:nvSpPr>
+        <p:spPr>
+          <a:xfrm>
+            <a:off x="7364427" y="4761457"/>
+            <a:ext cx="1222744" cy="353683"/>
+          </a:xfrm>
+          <a:prstGeom prst="roundRect">
+            <a:avLst/>
+          </a:prstGeom>
+          <a:solidFill>
+            <a:srgbClr val="D2A66C"/>
+          </a:solidFill>
+          <a:ln w="12700" cap="flat" cmpd="sng" algn="ctr">
+            <a:noFill/>
+            <a:prstDash val="solid"/>
+            <a:miter lim="800000"/>
+          </a:ln>
+          <a:effectLst/>
+        </p:spPr>
+        <p:txBody>
+          <a:bodyPr rtlCol="0" anchor="ctr"/>
+          <a:lstStyle/>
+          <a:p>
+            <a:pPr marL="0" marR="0" lvl="0" indent="0" algn="ctr" defTabSz="914377" eaLnBrk="1" fontAlgn="auto" latinLnBrk="0" hangingPunct="1">
+              <a:lnSpc>
+                <a:spcPct val="130000"/>
+              </a:lnSpc>
+              <a:spcBef>
+                <a:spcPts val="0"/>
+              </a:spcBef>
+              <a:spcAft>
+                <a:spcPts val="0"/>
+              </a:spcAft>
+              <a:buClrTx/>
+              <a:buSzTx/>
+              <a:buFontTx/>
+              <a:buNone/>
+              <a:tabLst/>
+              <a:defRPr/>
+            </a:pPr>
+            <a:r>
+              <a:rPr kumimoji="0" lang="zh-TW" altLang="en-US" sz="1400" b="0" i="0" u="none" strike="noStrike" kern="0" cap="none" spc="0" normalizeH="0" baseline="0" noProof="0" dirty="0">
+                <a:ln>
+                  <a:noFill/>
+                </a:ln>
+                <a:solidFill>
+                  <a:srgbClr val="FFFFFF"/>
+                </a:solidFill>
+                <a:effectLst/>
+                <a:uLnTx/>
+                <a:uFillTx/>
+                <a:latin typeface="Arial"/>
+                <a:ea typeface="微软雅黑"/>
+                <a:cs typeface="+mn-cs"/>
+              </a:rPr>
+              <a:t>模型預測</a:t>
+            </a:r>
+            <a:endParaRPr kumimoji="0" lang="en-TW" sz="1400" b="0" i="0" u="none" strike="noStrike" kern="0" cap="none" spc="0" normalizeH="0" baseline="0" noProof="0" dirty="0">
+              <a:ln>
+                <a:noFill/>
+              </a:ln>
+              <a:solidFill>
+                <a:srgbClr val="FFFFFF"/>
+              </a:solidFill>
+              <a:effectLst/>
+              <a:uLnTx/>
+              <a:uFillTx/>
+              <a:latin typeface="微软雅黑" panose="020B0503020204020204" pitchFamily="34" charset="-122"/>
+              <a:ea typeface="微软雅黑" panose="020B0503020204020204" pitchFamily="34" charset="-122"/>
+              <a:cs typeface="+mn-cs"/>
+            </a:endParaRPr>
+          </a:p>
+        </p:txBody>
+      </p:sp>
+    </p:spTree>
+    <p:extLst>
+      <p:ext uri="{BB962C8B-B14F-4D97-AF65-F5344CB8AC3E}">
+        <p14:creationId xmlns:p14="http://schemas.microsoft.com/office/powerpoint/2010/main" val="1837573486"/>
+      </p:ext>
+    </p:extLst>
+  </p:cSld>
+  <p:clrMapOvr>
+    <a:masterClrMapping/>
+  </p:clrMapOvr>
+</p:sld>
+</file>
+
+<file path=ppt/slides/slide4.xml><?xml version="1.0" encoding="utf-8"?>
+<p:sld xmlns:a="http://schemas.openxmlformats.org/drawingml/2006/main" xmlns:r="http://schemas.openxmlformats.org/officeDocument/2006/relationships" xmlns:p="http://schemas.openxmlformats.org/presentationml/2006/main">
+  <p:cSld>
+    <p:spTree>
+      <p:nvGrpSpPr>
+        <p:cNvPr id="1" name=""/>
+        <p:cNvGrpSpPr/>
+        <p:nvPr/>
+      </p:nvGrpSpPr>
+      <p:grpSpPr>
+        <a:xfrm>
+          <a:off x="0" y="0"/>
+          <a:ext cx="0" cy="0"/>
+          <a:chOff x="0" y="0"/>
+          <a:chExt cx="0" cy="0"/>
+        </a:xfrm>
+      </p:grpSpPr>
+      <p:pic>
+        <p:nvPicPr>
+          <p:cNvPr id="3" name="Picture 2">
+            <a:extLst>
+              <a:ext uri="{FF2B5EF4-FFF2-40B4-BE49-F238E27FC236}">
+                <a16:creationId xmlns:a16="http://schemas.microsoft.com/office/drawing/2014/main" id="{5A854C1F-FCEE-4848-B3BC-1E775330451C}"/>
+              </a:ext>
+            </a:extLst>
+          </p:cNvPr>
+          <p:cNvPicPr>
+            <a:picLocks noChangeAspect="1"/>
+          </p:cNvPicPr>
+          <p:nvPr/>
+        </p:nvPicPr>
+        <p:blipFill>
+          <a:blip r:embed="rId2"/>
+          <a:stretch>
+            <a:fillRect/>
+          </a:stretch>
+        </p:blipFill>
+        <p:spPr>
+          <a:xfrm>
+            <a:off x="1964988" y="2133257"/>
+            <a:ext cx="3859854" cy="2591486"/>
+          </a:xfrm>
+          <a:prstGeom prst="rect">
+            <a:avLst/>
+          </a:prstGeom>
+        </p:spPr>
+      </p:pic>
+      <p:pic>
+        <p:nvPicPr>
+          <p:cNvPr id="5" name="Picture 4">
+            <a:extLst>
+              <a:ext uri="{FF2B5EF4-FFF2-40B4-BE49-F238E27FC236}">
+                <a16:creationId xmlns:a16="http://schemas.microsoft.com/office/drawing/2014/main" id="{B26D2D29-E9E1-C846-BA5D-FAF2624EC4A2}"/>
+              </a:ext>
+            </a:extLst>
+          </p:cNvPr>
+          <p:cNvPicPr>
+            <a:picLocks noChangeAspect="1"/>
+          </p:cNvPicPr>
+          <p:nvPr/>
+        </p:nvPicPr>
+        <p:blipFill>
+          <a:blip r:embed="rId3"/>
+          <a:stretch>
+            <a:fillRect/>
+          </a:stretch>
+        </p:blipFill>
+        <p:spPr>
+          <a:xfrm>
+            <a:off x="6885657" y="2133257"/>
+            <a:ext cx="3576981" cy="2564111"/>
+          </a:xfrm>
+          <a:prstGeom prst="rect">
+            <a:avLst/>
+          </a:prstGeom>
+        </p:spPr>
+      </p:pic>
+    </p:spTree>
+    <p:extLst>
+      <p:ext uri="{BB962C8B-B14F-4D97-AF65-F5344CB8AC3E}">
+        <p14:creationId xmlns:p14="http://schemas.microsoft.com/office/powerpoint/2010/main" val="2293382813"/>
+      </p:ext>
+    </p:extLst>
+  </p:cSld>
+  <p:clrMapOvr>
+    <a:masterClrMapping/>
+  </p:clrMapOvr>
+</p:sld>
+</file>
+
 <file path=ppt/theme/theme1.xml><?xml version="1.0" encoding="utf-8"?>
 <a:theme xmlns:a="http://schemas.openxmlformats.org/drawingml/2006/main" name="Office Theme">
   <a:themeElements>

--- a/_posts/ithome/2021/14.隨機森林/14.隨機森林.pptx
+++ b/_posts/ithome/2021/14.隨機森林/14.隨機森林.pptx
@@ -264,7 +264,7 @@
           <a:p>
             <a:fld id="{31A09DA0-4F0A-5845-B184-B685BD96C299}" type="datetimeFigureOut">
               <a:rPr lang="en-TW" smtClean="0"/>
-              <a:t>2021/9/14</a:t>
+              <a:t>2021/9/26</a:t>
             </a:fld>
             <a:endParaRPr lang="en-TW"/>
           </a:p>
@@ -464,7 +464,7 @@
           <a:p>
             <a:fld id="{31A09DA0-4F0A-5845-B184-B685BD96C299}" type="datetimeFigureOut">
               <a:rPr lang="en-TW" smtClean="0"/>
-              <a:t>2021/9/14</a:t>
+              <a:t>2021/9/26</a:t>
             </a:fld>
             <a:endParaRPr lang="en-TW"/>
           </a:p>
@@ -674,7 +674,7 @@
           <a:p>
             <a:fld id="{31A09DA0-4F0A-5845-B184-B685BD96C299}" type="datetimeFigureOut">
               <a:rPr lang="en-TW" smtClean="0"/>
-              <a:t>2021/9/14</a:t>
+              <a:t>2021/9/26</a:t>
             </a:fld>
             <a:endParaRPr lang="en-TW"/>
           </a:p>
@@ -874,7 +874,7 @@
           <a:p>
             <a:fld id="{31A09DA0-4F0A-5845-B184-B685BD96C299}" type="datetimeFigureOut">
               <a:rPr lang="en-TW" smtClean="0"/>
-              <a:t>2021/9/14</a:t>
+              <a:t>2021/9/26</a:t>
             </a:fld>
             <a:endParaRPr lang="en-TW"/>
           </a:p>
@@ -1150,7 +1150,7 @@
           <a:p>
             <a:fld id="{31A09DA0-4F0A-5845-B184-B685BD96C299}" type="datetimeFigureOut">
               <a:rPr lang="en-TW" smtClean="0"/>
-              <a:t>2021/9/14</a:t>
+              <a:t>2021/9/26</a:t>
             </a:fld>
             <a:endParaRPr lang="en-TW"/>
           </a:p>
@@ -1418,7 +1418,7 @@
           <a:p>
             <a:fld id="{31A09DA0-4F0A-5845-B184-B685BD96C299}" type="datetimeFigureOut">
               <a:rPr lang="en-TW" smtClean="0"/>
-              <a:t>2021/9/14</a:t>
+              <a:t>2021/9/26</a:t>
             </a:fld>
             <a:endParaRPr lang="en-TW"/>
           </a:p>
@@ -1833,7 +1833,7 @@
           <a:p>
             <a:fld id="{31A09DA0-4F0A-5845-B184-B685BD96C299}" type="datetimeFigureOut">
               <a:rPr lang="en-TW" smtClean="0"/>
-              <a:t>2021/9/14</a:t>
+              <a:t>2021/9/26</a:t>
             </a:fld>
             <a:endParaRPr lang="en-TW"/>
           </a:p>
@@ -1975,7 +1975,7 @@
           <a:p>
             <a:fld id="{31A09DA0-4F0A-5845-B184-B685BD96C299}" type="datetimeFigureOut">
               <a:rPr lang="en-TW" smtClean="0"/>
-              <a:t>2021/9/14</a:t>
+              <a:t>2021/9/26</a:t>
             </a:fld>
             <a:endParaRPr lang="en-TW"/>
           </a:p>
@@ -2088,7 +2088,7 @@
           <a:p>
             <a:fld id="{31A09DA0-4F0A-5845-B184-B685BD96C299}" type="datetimeFigureOut">
               <a:rPr lang="en-TW" smtClean="0"/>
-              <a:t>2021/9/14</a:t>
+              <a:t>2021/9/26</a:t>
             </a:fld>
             <a:endParaRPr lang="en-TW"/>
           </a:p>
@@ -2401,7 +2401,7 @@
           <a:p>
             <a:fld id="{31A09DA0-4F0A-5845-B184-B685BD96C299}" type="datetimeFigureOut">
               <a:rPr lang="en-TW" smtClean="0"/>
-              <a:t>2021/9/14</a:t>
+              <a:t>2021/9/26</a:t>
             </a:fld>
             <a:endParaRPr lang="en-TW"/>
           </a:p>
@@ -2690,7 +2690,7 @@
           <a:p>
             <a:fld id="{31A09DA0-4F0A-5845-B184-B685BD96C299}" type="datetimeFigureOut">
               <a:rPr lang="en-TW" smtClean="0"/>
-              <a:t>2021/9/14</a:t>
+              <a:t>2021/9/26</a:t>
             </a:fld>
             <a:endParaRPr lang="en-TW"/>
           </a:p>
@@ -2933,7 +2933,7 @@
           <a:p>
             <a:fld id="{31A09DA0-4F0A-5845-B184-B685BD96C299}" type="datetimeFigureOut">
               <a:rPr lang="en-TW" smtClean="0"/>
-              <a:t>2021/9/14</a:t>
+              <a:t>2021/9/26</a:t>
             </a:fld>
             <a:endParaRPr lang="en-TW"/>
           </a:p>
@@ -3525,6 +3525,551 @@
           </a:p>
         </p:txBody>
       </p:sp>
+      <p:grpSp>
+        <p:nvGrpSpPr>
+          <p:cNvPr id="5" name="Group 4">
+            <a:extLst>
+              <a:ext uri="{FF2B5EF4-FFF2-40B4-BE49-F238E27FC236}">
+                <a16:creationId xmlns:a16="http://schemas.microsoft.com/office/drawing/2014/main" id="{CC1A88CD-4E74-1341-91CC-C1A49E719794}"/>
+              </a:ext>
+            </a:extLst>
+          </p:cNvPr>
+          <p:cNvGrpSpPr/>
+          <p:nvPr/>
+        </p:nvGrpSpPr>
+        <p:grpSpPr>
+          <a:xfrm>
+            <a:off x="1475543" y="5576362"/>
+            <a:ext cx="9363802" cy="1746000"/>
+            <a:chOff x="3360126" y="4043080"/>
+            <a:chExt cx="5802628" cy="892736"/>
+          </a:xfrm>
+        </p:grpSpPr>
+        <p:grpSp>
+          <p:nvGrpSpPr>
+            <p:cNvPr id="6" name="Group 5">
+              <a:extLst>
+                <a:ext uri="{FF2B5EF4-FFF2-40B4-BE49-F238E27FC236}">
+                  <a16:creationId xmlns:a16="http://schemas.microsoft.com/office/drawing/2014/main" id="{50396A4E-7A03-FD45-9BDD-0504C0476015}"/>
+                </a:ext>
+              </a:extLst>
+            </p:cNvPr>
+            <p:cNvGrpSpPr/>
+            <p:nvPr/>
+          </p:nvGrpSpPr>
+          <p:grpSpPr>
+            <a:xfrm>
+              <a:off x="3360126" y="4381750"/>
+              <a:ext cx="2735874" cy="215396"/>
+              <a:chOff x="7237110" y="4330673"/>
+              <a:chExt cx="2735874" cy="215396"/>
+            </a:xfrm>
+          </p:grpSpPr>
+          <p:sp>
+            <p:nvSpPr>
+              <p:cNvPr id="11" name="Intelligent Information Retrieval Laboratory">
+                <a:extLst>
+                  <a:ext uri="{FF2B5EF4-FFF2-40B4-BE49-F238E27FC236}">
+                    <a16:creationId xmlns:a16="http://schemas.microsoft.com/office/drawing/2014/main" id="{1C160D2A-6445-EC47-9724-77150E2BC8C7}"/>
+                  </a:ext>
+                </a:extLst>
+              </p:cNvPr>
+              <p:cNvSpPr txBox="1"/>
+              <p:nvPr/>
+            </p:nvSpPr>
+            <p:spPr>
+              <a:xfrm>
+                <a:off x="7237110" y="4330673"/>
+                <a:ext cx="2590800" cy="215396"/>
+              </a:xfrm>
+              <a:prstGeom prst="rect">
+                <a:avLst/>
+              </a:prstGeom>
+              <a:noFill/>
+              <a:ln w="12700" cap="flat">
+                <a:noFill/>
+                <a:miter lim="400000"/>
+              </a:ln>
+              <a:effectLst/>
+              <a:extLst>
+                <a:ext uri="{C572A759-6A51-4108-AA02-DFA0A04FC94B}">
+                  <ma14:wrappingTextBoxFlag xmlns:ma14="http://schemas.microsoft.com/office/mac/drawingml/2011/main" xmlns:a14="http://schemas.microsoft.com/office/drawing/2010/main" xmlns:m="http://schemas.openxmlformats.org/officeDocument/2006/math" xmlns="" val="1"/>
+                </a:ext>
+              </a:extLst>
+            </p:spPr>
+            <p:txBody>
+              <a:bodyPr wrap="square" lIns="71437" tIns="71437" rIns="71437" bIns="71437" numCol="1" anchor="ctr">
+                <a:spAutoFit/>
+              </a:bodyPr>
+              <a:lstStyle>
+                <a:lvl1pPr algn="l" defTabSz="821531">
+                  <a:defRPr sz="2400" b="0">
+                    <a:solidFill>
+                      <a:srgbClr val="FFFFFF"/>
+                    </a:solidFill>
+                    <a:latin typeface="Helvetica Neue Bold Condensed"/>
+                    <a:ea typeface="Helvetica Neue Bold Condensed"/>
+                    <a:cs typeface="Helvetica Neue Bold Condensed"/>
+                    <a:sym typeface="Helvetica Neue Bold Condensed"/>
+                  </a:defRPr>
+                </a:lvl1pPr>
+              </a:lstStyle>
+              <a:p>
+                <a:r>
+                  <a:rPr kumimoji="0" lang="zh-TW" altLang="en-US" sz="1400" b="0" i="0" u="none" strike="noStrike" cap="none" spc="0" normalizeH="0" baseline="0" dirty="0">
+                    <a:ln>
+                      <a:noFill/>
+                    </a:ln>
+                    <a:solidFill>
+                      <a:schemeClr val="tx1">
+                        <a:alpha val="15000"/>
+                      </a:schemeClr>
+                    </a:solidFill>
+                    <a:effectLst/>
+                    <a:uFillTx/>
+                    <a:latin typeface="Helvetica Neue Bold Condensed"/>
+                    <a:ea typeface="Helvetica Neue Bold Condensed"/>
+                    <a:cs typeface="Helvetica Neue Bold Condensed"/>
+                    <a:sym typeface="Helvetica Neue Bold Condensed"/>
+                  </a:rPr>
+                  <a:t>第</a:t>
+                </a:r>
+                <a:r>
+                  <a:rPr kumimoji="0" lang="en-US" altLang="zh-TW" sz="1400" b="0" i="0" u="none" strike="noStrike" cap="none" spc="0" normalizeH="0" baseline="0" dirty="0">
+                    <a:ln>
+                      <a:noFill/>
+                    </a:ln>
+                    <a:solidFill>
+                      <a:schemeClr val="tx1">
+                        <a:alpha val="15000"/>
+                      </a:schemeClr>
+                    </a:solidFill>
+                    <a:effectLst/>
+                    <a:uFillTx/>
+                    <a:latin typeface="Helvetica Neue Bold Condensed"/>
+                    <a:ea typeface="Helvetica Neue Bold Condensed"/>
+                    <a:cs typeface="Helvetica Neue Bold Condensed"/>
+                    <a:sym typeface="Helvetica Neue Bold Condensed"/>
+                  </a:rPr>
+                  <a:t>13</a:t>
+                </a:r>
+                <a:r>
+                  <a:rPr kumimoji="0" lang="zh-TW" altLang="en-US" sz="1400" b="0" i="0" u="none" strike="noStrike" cap="none" spc="0" normalizeH="0" baseline="0" dirty="0">
+                    <a:ln>
+                      <a:noFill/>
+                    </a:ln>
+                    <a:solidFill>
+                      <a:schemeClr val="tx1">
+                        <a:alpha val="15000"/>
+                      </a:schemeClr>
+                    </a:solidFill>
+                    <a:effectLst/>
+                    <a:uFillTx/>
+                    <a:latin typeface="Helvetica Neue Bold Condensed"/>
+                    <a:ea typeface="Helvetica Neue Bold Condensed"/>
+                    <a:cs typeface="Helvetica Neue Bold Condensed"/>
+                    <a:sym typeface="Helvetica Neue Bold Condensed"/>
+                  </a:rPr>
+                  <a:t>屆 </a:t>
+                </a:r>
+                <a:r>
+                  <a:rPr kumimoji="0" lang="en-US" sz="1800" b="0" i="0" u="none" strike="noStrike" cap="none" spc="0" normalizeH="0" baseline="0" dirty="0">
+                    <a:ln>
+                      <a:noFill/>
+                    </a:ln>
+                    <a:solidFill>
+                      <a:schemeClr val="tx1">
+                        <a:alpha val="15000"/>
+                      </a:schemeClr>
+                    </a:solidFill>
+                    <a:effectLst/>
+                    <a:uFillTx/>
+                    <a:latin typeface="Helvetica Neue Bold Condensed"/>
+                    <a:ea typeface="Helvetica Neue Bold Condensed"/>
+                    <a:cs typeface="Helvetica Neue Bold Condensed"/>
+                    <a:sym typeface="Helvetica Neue Bold Condensed"/>
+                  </a:rPr>
+                  <a:t>iT</a:t>
+                </a:r>
+                <a:r>
+                  <a:rPr kumimoji="0" lang="zh-TW" altLang="en-US" sz="1600" b="0" i="0" u="none" strike="noStrike" cap="none" spc="0" normalizeH="0" baseline="0" dirty="0">
+                    <a:ln>
+                      <a:noFill/>
+                    </a:ln>
+                    <a:solidFill>
+                      <a:schemeClr val="tx1">
+                        <a:alpha val="15000"/>
+                      </a:schemeClr>
+                    </a:solidFill>
+                    <a:effectLst/>
+                    <a:uFillTx/>
+                    <a:latin typeface="Helvetica Neue Bold Condensed"/>
+                    <a:ea typeface="Helvetica Neue Bold Condensed"/>
+                    <a:cs typeface="Helvetica Neue Bold Condensed"/>
+                    <a:sym typeface="Helvetica Neue Bold Condensed"/>
+                  </a:rPr>
+                  <a:t>邦</a:t>
+                </a:r>
+                <a:r>
+                  <a:rPr kumimoji="0" lang="zh-TW" altLang="en-US" sz="1200" b="0" i="0" u="none" strike="noStrike" cap="none" spc="0" normalizeH="0" baseline="0" dirty="0">
+                    <a:ln>
+                      <a:noFill/>
+                    </a:ln>
+                    <a:solidFill>
+                      <a:schemeClr val="tx1">
+                        <a:alpha val="15000"/>
+                      </a:schemeClr>
+                    </a:solidFill>
+                    <a:effectLst/>
+                    <a:uFillTx/>
+                    <a:latin typeface="Helvetica Neue Bold Condensed"/>
+                    <a:ea typeface="Helvetica Neue Bold Condensed"/>
+                    <a:cs typeface="Helvetica Neue Bold Condensed"/>
+                    <a:sym typeface="Helvetica Neue Bold Condensed"/>
+                  </a:rPr>
+                  <a:t>幫忙</a:t>
+                </a:r>
+                <a:r>
+                  <a:rPr kumimoji="0" lang="zh-TW" altLang="en-US" sz="1600" b="0" i="0" u="none" strike="noStrike" cap="none" spc="0" normalizeH="0" baseline="0" dirty="0">
+                    <a:ln>
+                      <a:noFill/>
+                    </a:ln>
+                    <a:solidFill>
+                      <a:schemeClr val="tx1">
+                        <a:alpha val="15000"/>
+                      </a:schemeClr>
+                    </a:solidFill>
+                    <a:effectLst/>
+                    <a:uFillTx/>
+                    <a:latin typeface="Helvetica Neue Bold Condensed"/>
+                    <a:ea typeface="Helvetica Neue Bold Condensed"/>
+                    <a:cs typeface="Helvetica Neue Bold Condensed"/>
+                    <a:sym typeface="Helvetica Neue Bold Condensed"/>
+                  </a:rPr>
+                  <a:t> 鐵人賽</a:t>
+                </a:r>
+                <a:endParaRPr sz="1600" dirty="0">
+                  <a:solidFill>
+                    <a:schemeClr val="tx1">
+                      <a:alpha val="15000"/>
+                    </a:schemeClr>
+                  </a:solidFill>
+                </a:endParaRPr>
+              </a:p>
+            </p:txBody>
+          </p:sp>
+          <p:sp>
+            <p:nvSpPr>
+              <p:cNvPr id="12" name="Intelligent Information Retrieval Laboratory">
+                <a:extLst>
+                  <a:ext uri="{FF2B5EF4-FFF2-40B4-BE49-F238E27FC236}">
+                    <a16:creationId xmlns:a16="http://schemas.microsoft.com/office/drawing/2014/main" id="{D635A2CB-CA0E-6D44-A5D0-32AE50C59D8E}"/>
+                  </a:ext>
+                </a:extLst>
+              </p:cNvPr>
+              <p:cNvSpPr txBox="1"/>
+              <p:nvPr/>
+            </p:nvSpPr>
+            <p:spPr>
+              <a:xfrm>
+                <a:off x="8753784" y="4354105"/>
+                <a:ext cx="1219200" cy="183922"/>
+              </a:xfrm>
+              <a:prstGeom prst="rect">
+                <a:avLst/>
+              </a:prstGeom>
+              <a:noFill/>
+              <a:ln w="12700" cap="flat">
+                <a:noFill/>
+                <a:miter lim="400000"/>
+              </a:ln>
+              <a:effectLst/>
+              <a:extLst>
+                <a:ext uri="{C572A759-6A51-4108-AA02-DFA0A04FC94B}">
+                  <ma14:wrappingTextBoxFlag xmlns:ma14="http://schemas.microsoft.com/office/mac/drawingml/2011/main" xmlns:a14="http://schemas.microsoft.com/office/drawing/2010/main" xmlns:m="http://schemas.openxmlformats.org/officeDocument/2006/math" xmlns="" val="1"/>
+                </a:ext>
+              </a:extLst>
+            </p:spPr>
+            <p:txBody>
+              <a:bodyPr wrap="square" lIns="71437" tIns="71437" rIns="71437" bIns="71437" numCol="1" anchor="ctr">
+                <a:spAutoFit/>
+              </a:bodyPr>
+              <a:lstStyle>
+                <a:lvl1pPr algn="l" defTabSz="821531">
+                  <a:defRPr sz="2400" b="0">
+                    <a:solidFill>
+                      <a:srgbClr val="FFFFFF"/>
+                    </a:solidFill>
+                    <a:latin typeface="Helvetica Neue Bold Condensed"/>
+                    <a:ea typeface="Helvetica Neue Bold Condensed"/>
+                    <a:cs typeface="Helvetica Neue Bold Condensed"/>
+                    <a:sym typeface="Helvetica Neue Bold Condensed"/>
+                  </a:defRPr>
+                </a:lvl1pPr>
+              </a:lstStyle>
+              <a:p>
+                <a:r>
+                  <a:rPr kumimoji="0" lang="en-US" altLang="zh-TW" sz="1400" b="0" i="0" u="none" strike="noStrike" cap="none" spc="0" normalizeH="0" baseline="0" dirty="0">
+                    <a:ln>
+                      <a:noFill/>
+                    </a:ln>
+                    <a:solidFill>
+                      <a:schemeClr val="tx1">
+                        <a:alpha val="15000"/>
+                      </a:schemeClr>
+                    </a:solidFill>
+                    <a:effectLst/>
+                    <a:uFillTx/>
+                    <a:latin typeface="Helvetica Neue Bold Condensed"/>
+                    <a:ea typeface="Helvetica Neue Bold Condensed"/>
+                    <a:cs typeface="Helvetica Neue Bold Condensed"/>
+                    <a:sym typeface="Helvetica Neue Bold Condensed"/>
+                  </a:rPr>
+                  <a:t>AI &amp; Data </a:t>
+                </a:r>
+                <a:r>
+                  <a:rPr kumimoji="0" lang="zh-TW" altLang="en-US" sz="1400" b="0" i="0" u="none" strike="noStrike" cap="none" spc="0" normalizeH="0" baseline="0" dirty="0">
+                    <a:ln>
+                      <a:noFill/>
+                    </a:ln>
+                    <a:solidFill>
+                      <a:schemeClr val="tx1">
+                        <a:alpha val="15000"/>
+                      </a:schemeClr>
+                    </a:solidFill>
+                    <a:effectLst/>
+                    <a:uFillTx/>
+                    <a:latin typeface="Helvetica Neue Bold Condensed"/>
+                    <a:ea typeface="Helvetica Neue Bold Condensed"/>
+                    <a:cs typeface="Helvetica Neue Bold Condensed"/>
+                    <a:sym typeface="Helvetica Neue Bold Condensed"/>
+                  </a:rPr>
+                  <a:t>組</a:t>
+                </a:r>
+                <a:endParaRPr sz="1600" dirty="0">
+                  <a:solidFill>
+                    <a:schemeClr val="tx1">
+                      <a:alpha val="15000"/>
+                    </a:schemeClr>
+                  </a:solidFill>
+                </a:endParaRPr>
+              </a:p>
+            </p:txBody>
+          </p:sp>
+        </p:grpSp>
+        <p:grpSp>
+          <p:nvGrpSpPr>
+            <p:cNvPr id="7" name="Group 6">
+              <a:extLst>
+                <a:ext uri="{FF2B5EF4-FFF2-40B4-BE49-F238E27FC236}">
+                  <a16:creationId xmlns:a16="http://schemas.microsoft.com/office/drawing/2014/main" id="{E9F1BB53-AF14-074D-99C0-D350912F2E27}"/>
+                </a:ext>
+              </a:extLst>
+            </p:cNvPr>
+            <p:cNvGrpSpPr/>
+            <p:nvPr/>
+          </p:nvGrpSpPr>
+          <p:grpSpPr>
+            <a:xfrm>
+              <a:off x="7245205" y="4043080"/>
+              <a:ext cx="1917549" cy="892736"/>
+              <a:chOff x="3889162" y="4011274"/>
+              <a:chExt cx="1917549" cy="892736"/>
+            </a:xfrm>
+          </p:grpSpPr>
+          <p:pic>
+            <p:nvPicPr>
+              <p:cNvPr id="8" name="Picture 7">
+                <a:extLst>
+                  <a:ext uri="{FF2B5EF4-FFF2-40B4-BE49-F238E27FC236}">
+                    <a16:creationId xmlns:a16="http://schemas.microsoft.com/office/drawing/2014/main" id="{D7BF5CA4-13F5-2F40-841F-F199862F7350}"/>
+                  </a:ext>
+                </a:extLst>
+              </p:cNvPr>
+              <p:cNvPicPr>
+                <a:picLocks noChangeAspect="1" noChangeArrowheads="1"/>
+              </p:cNvPicPr>
+              <p:nvPr/>
+            </p:nvPicPr>
+            <p:blipFill>
+              <a:blip r:embed="rId3">
+                <a:duotone>
+                  <a:prstClr val="black"/>
+                  <a:schemeClr val="tx1">
+                    <a:tint val="45000"/>
+                    <a:satMod val="400000"/>
+                  </a:schemeClr>
+                </a:duotone>
+                <a:alphaModFix amt="20000"/>
+              </a:blip>
+              <a:srcRect/>
+              <a:stretch/>
+            </p:blipFill>
+            <p:spPr bwMode="auto">
+              <a:xfrm>
+                <a:off x="4504801" y="4011274"/>
+                <a:ext cx="1080117" cy="892736"/>
+              </a:xfrm>
+              <a:prstGeom prst="rect">
+                <a:avLst/>
+              </a:prstGeom>
+              <a:noFill/>
+              <a:extLst>
+                <a:ext uri="{909E8E84-426E-40DD-AFC4-6F175D3DCCD1}">
+                  <a14:hiddenFill xmlns:a14="http://schemas.microsoft.com/office/drawing/2010/main">
+                    <a:solidFill>
+                      <a:srgbClr val="FFFFFF"/>
+                    </a:solidFill>
+                  </a14:hiddenFill>
+                </a:ext>
+              </a:extLst>
+            </p:spPr>
+          </p:pic>
+          <p:pic>
+            <p:nvPicPr>
+              <p:cNvPr id="9" name="Picture 4" descr="Youtube logo | Logok">
+                <a:extLst>
+                  <a:ext uri="{FF2B5EF4-FFF2-40B4-BE49-F238E27FC236}">
+                    <a16:creationId xmlns:a16="http://schemas.microsoft.com/office/drawing/2014/main" id="{5AECBD19-3492-F14F-965F-AE66E45CCD92}"/>
+                  </a:ext>
+                </a:extLst>
+              </p:cNvPr>
+              <p:cNvPicPr>
+                <a:picLocks noChangeAspect="1" noChangeArrowheads="1"/>
+              </p:cNvPicPr>
+              <p:nvPr/>
+            </p:nvPicPr>
+            <p:blipFill>
+              <a:blip r:embed="rId4">
+                <a:alphaModFix amt="20000"/>
+                <a:extLst>
+                  <a:ext uri="{28A0092B-C50C-407E-A947-70E740481C1C}">
+                    <a14:useLocalDpi xmlns:a14="http://schemas.microsoft.com/office/drawing/2010/main" val="0"/>
+                  </a:ext>
+                </a:extLst>
+              </a:blip>
+              <a:srcRect/>
+              <a:stretch>
+                <a:fillRect/>
+              </a:stretch>
+            </p:blipFill>
+            <p:spPr bwMode="auto">
+              <a:xfrm>
+                <a:off x="3889162" y="4233740"/>
+                <a:ext cx="768344" cy="478652"/>
+              </a:xfrm>
+              <a:prstGeom prst="rect">
+                <a:avLst/>
+              </a:prstGeom>
+              <a:noFill/>
+              <a:extLst>
+                <a:ext uri="{909E8E84-426E-40DD-AFC4-6F175D3DCCD1}">
+                  <a14:hiddenFill xmlns:a14="http://schemas.microsoft.com/office/drawing/2010/main">
+                    <a:solidFill>
+                      <a:srgbClr val="FFFFFF"/>
+                    </a:solidFill>
+                  </a14:hiddenFill>
+                </a:ext>
+              </a:extLst>
+            </p:spPr>
+          </p:pic>
+          <p:sp>
+            <p:nvSpPr>
+              <p:cNvPr id="10" name="Intelligent Information Retrieval Laboratory">
+                <a:extLst>
+                  <a:ext uri="{FF2B5EF4-FFF2-40B4-BE49-F238E27FC236}">
+                    <a16:creationId xmlns:a16="http://schemas.microsoft.com/office/drawing/2014/main" id="{491DC6EB-2E87-7946-A33D-8A317A187758}"/>
+                  </a:ext>
+                </a:extLst>
+              </p:cNvPr>
+              <p:cNvSpPr txBox="1"/>
+              <p:nvPr/>
+            </p:nvSpPr>
+            <p:spPr>
+              <a:xfrm>
+                <a:off x="4587511" y="4365368"/>
+                <a:ext cx="1219200" cy="215396"/>
+              </a:xfrm>
+              <a:prstGeom prst="rect">
+                <a:avLst/>
+              </a:prstGeom>
+              <a:noFill/>
+              <a:ln w="12700" cap="flat">
+                <a:noFill/>
+                <a:miter lim="400000"/>
+              </a:ln>
+              <a:effectLst/>
+              <a:extLst>
+                <a:ext uri="{C572A759-6A51-4108-AA02-DFA0A04FC94B}">
+                  <ma14:wrappingTextBoxFlag xmlns:ma14="http://schemas.microsoft.com/office/mac/drawingml/2011/main" xmlns:a14="http://schemas.microsoft.com/office/drawing/2010/main" xmlns:m="http://schemas.openxmlformats.org/officeDocument/2006/math" xmlns="" val="1"/>
+                </a:ext>
+              </a:extLst>
+            </p:spPr>
+            <p:txBody>
+              <a:bodyPr wrap="square" lIns="71437" tIns="71437" rIns="71437" bIns="71437" numCol="1" anchor="ctr">
+                <a:spAutoFit/>
+              </a:bodyPr>
+              <a:lstStyle>
+                <a:lvl1pPr algn="l" defTabSz="821531">
+                  <a:defRPr sz="2400" b="0">
+                    <a:solidFill>
+                      <a:srgbClr val="FFFFFF"/>
+                    </a:solidFill>
+                    <a:latin typeface="Helvetica Neue Bold Condensed"/>
+                    <a:ea typeface="Helvetica Neue Bold Condensed"/>
+                    <a:cs typeface="Helvetica Neue Bold Condensed"/>
+                    <a:sym typeface="Helvetica Neue Bold Condensed"/>
+                  </a:defRPr>
+                </a:lvl1pPr>
+              </a:lstStyle>
+              <a:p>
+                <a:r>
+                  <a:rPr kumimoji="0" lang="en-US" altLang="zh-TW" sz="1800" b="0" i="0" u="none" strike="noStrike" cap="none" spc="0" normalizeH="0" baseline="0" dirty="0">
+                    <a:ln>
+                      <a:noFill/>
+                    </a:ln>
+                    <a:solidFill>
+                      <a:schemeClr val="tx1">
+                        <a:alpha val="15000"/>
+                      </a:schemeClr>
+                    </a:solidFill>
+                    <a:effectLst/>
+                    <a:uFillTx/>
+                    <a:latin typeface="Helvetica Neue Bold Condensed"/>
+                    <a:ea typeface="Helvetica Neue Bold Condensed"/>
+                    <a:cs typeface="Helvetica Neue Bold Condensed"/>
+                    <a:sym typeface="Helvetica Neue Bold Condensed"/>
+                  </a:rPr>
+                  <a:t>10</a:t>
+                </a:r>
+                <a:r>
+                  <a:rPr kumimoji="0" lang="zh-TW" altLang="en-US" sz="1800" b="0" i="0" u="none" strike="noStrike" cap="none" spc="0" normalizeH="0" baseline="0" dirty="0">
+                    <a:ln>
+                      <a:noFill/>
+                    </a:ln>
+                    <a:solidFill>
+                      <a:schemeClr val="tx1">
+                        <a:alpha val="15000"/>
+                      </a:schemeClr>
+                    </a:solidFill>
+                    <a:effectLst/>
+                    <a:uFillTx/>
+                    <a:sym typeface="Helvetica Neue Bold Condensed"/>
+                  </a:rPr>
+                  <a:t>程式中</a:t>
+                </a:r>
+                <a:endParaRPr sz="2000" dirty="0">
+                  <a:solidFill>
+                    <a:schemeClr val="tx1">
+                      <a:alpha val="15000"/>
+                    </a:schemeClr>
+                  </a:solidFill>
+                </a:endParaRPr>
+              </a:p>
+            </p:txBody>
+          </p:sp>
+        </p:grpSp>
+      </p:grpSp>
     </p:spTree>
     <p:extLst>
       <p:ext uri="{BB962C8B-B14F-4D97-AF65-F5344CB8AC3E}">
@@ -4112,6 +4657,551 @@
           </a:p>
         </p:txBody>
       </p:sp>
+      <p:grpSp>
+        <p:nvGrpSpPr>
+          <p:cNvPr id="18" name="Group 17">
+            <a:extLst>
+              <a:ext uri="{FF2B5EF4-FFF2-40B4-BE49-F238E27FC236}">
+                <a16:creationId xmlns:a16="http://schemas.microsoft.com/office/drawing/2014/main" id="{76082D7C-E035-BB4E-BEF4-EC8DA988B847}"/>
+              </a:ext>
+            </a:extLst>
+          </p:cNvPr>
+          <p:cNvGrpSpPr/>
+          <p:nvPr/>
+        </p:nvGrpSpPr>
+        <p:grpSpPr>
+          <a:xfrm>
+            <a:off x="1411796" y="4696579"/>
+            <a:ext cx="9363802" cy="1746000"/>
+            <a:chOff x="3360126" y="4043080"/>
+            <a:chExt cx="5802628" cy="892736"/>
+          </a:xfrm>
+        </p:grpSpPr>
+        <p:grpSp>
+          <p:nvGrpSpPr>
+            <p:cNvPr id="20" name="Group 19">
+              <a:extLst>
+                <a:ext uri="{FF2B5EF4-FFF2-40B4-BE49-F238E27FC236}">
+                  <a16:creationId xmlns:a16="http://schemas.microsoft.com/office/drawing/2014/main" id="{5F7C897A-FF0B-B74D-8693-8E3293091D5D}"/>
+                </a:ext>
+              </a:extLst>
+            </p:cNvPr>
+            <p:cNvGrpSpPr/>
+            <p:nvPr/>
+          </p:nvGrpSpPr>
+          <p:grpSpPr>
+            <a:xfrm>
+              <a:off x="3360126" y="4381750"/>
+              <a:ext cx="2735874" cy="215396"/>
+              <a:chOff x="7237110" y="4330673"/>
+              <a:chExt cx="2735874" cy="215396"/>
+            </a:xfrm>
+          </p:grpSpPr>
+          <p:sp>
+            <p:nvSpPr>
+              <p:cNvPr id="28" name="Intelligent Information Retrieval Laboratory">
+                <a:extLst>
+                  <a:ext uri="{FF2B5EF4-FFF2-40B4-BE49-F238E27FC236}">
+                    <a16:creationId xmlns:a16="http://schemas.microsoft.com/office/drawing/2014/main" id="{AB0AD77E-C44F-DD4C-B76F-548D34894C26}"/>
+                  </a:ext>
+                </a:extLst>
+              </p:cNvPr>
+              <p:cNvSpPr txBox="1"/>
+              <p:nvPr/>
+            </p:nvSpPr>
+            <p:spPr>
+              <a:xfrm>
+                <a:off x="7237110" y="4330673"/>
+                <a:ext cx="2590800" cy="215396"/>
+              </a:xfrm>
+              <a:prstGeom prst="rect">
+                <a:avLst/>
+              </a:prstGeom>
+              <a:noFill/>
+              <a:ln w="12700" cap="flat">
+                <a:noFill/>
+                <a:miter lim="400000"/>
+              </a:ln>
+              <a:effectLst/>
+              <a:extLst>
+                <a:ext uri="{C572A759-6A51-4108-AA02-DFA0A04FC94B}">
+                  <ma14:wrappingTextBoxFlag xmlns:ma14="http://schemas.microsoft.com/office/mac/drawingml/2011/main" xmlns:a14="http://schemas.microsoft.com/office/drawing/2010/main" xmlns:m="http://schemas.openxmlformats.org/officeDocument/2006/math" xmlns="" val="1"/>
+                </a:ext>
+              </a:extLst>
+            </p:spPr>
+            <p:txBody>
+              <a:bodyPr wrap="square" lIns="71437" tIns="71437" rIns="71437" bIns="71437" numCol="1" anchor="ctr">
+                <a:spAutoFit/>
+              </a:bodyPr>
+              <a:lstStyle>
+                <a:lvl1pPr algn="l" defTabSz="821531">
+                  <a:defRPr sz="2400" b="0">
+                    <a:solidFill>
+                      <a:srgbClr val="FFFFFF"/>
+                    </a:solidFill>
+                    <a:latin typeface="Helvetica Neue Bold Condensed"/>
+                    <a:ea typeface="Helvetica Neue Bold Condensed"/>
+                    <a:cs typeface="Helvetica Neue Bold Condensed"/>
+                    <a:sym typeface="Helvetica Neue Bold Condensed"/>
+                  </a:defRPr>
+                </a:lvl1pPr>
+              </a:lstStyle>
+              <a:p>
+                <a:r>
+                  <a:rPr kumimoji="0" lang="zh-TW" altLang="en-US" sz="1400" b="0" i="0" u="none" strike="noStrike" cap="none" spc="0" normalizeH="0" baseline="0" dirty="0">
+                    <a:ln>
+                      <a:noFill/>
+                    </a:ln>
+                    <a:solidFill>
+                      <a:schemeClr val="tx1">
+                        <a:alpha val="15000"/>
+                      </a:schemeClr>
+                    </a:solidFill>
+                    <a:effectLst/>
+                    <a:uFillTx/>
+                    <a:latin typeface="Helvetica Neue Bold Condensed"/>
+                    <a:ea typeface="Helvetica Neue Bold Condensed"/>
+                    <a:cs typeface="Helvetica Neue Bold Condensed"/>
+                    <a:sym typeface="Helvetica Neue Bold Condensed"/>
+                  </a:rPr>
+                  <a:t>第</a:t>
+                </a:r>
+                <a:r>
+                  <a:rPr kumimoji="0" lang="en-US" altLang="zh-TW" sz="1400" b="0" i="0" u="none" strike="noStrike" cap="none" spc="0" normalizeH="0" baseline="0" dirty="0">
+                    <a:ln>
+                      <a:noFill/>
+                    </a:ln>
+                    <a:solidFill>
+                      <a:schemeClr val="tx1">
+                        <a:alpha val="15000"/>
+                      </a:schemeClr>
+                    </a:solidFill>
+                    <a:effectLst/>
+                    <a:uFillTx/>
+                    <a:latin typeface="Helvetica Neue Bold Condensed"/>
+                    <a:ea typeface="Helvetica Neue Bold Condensed"/>
+                    <a:cs typeface="Helvetica Neue Bold Condensed"/>
+                    <a:sym typeface="Helvetica Neue Bold Condensed"/>
+                  </a:rPr>
+                  <a:t>13</a:t>
+                </a:r>
+                <a:r>
+                  <a:rPr kumimoji="0" lang="zh-TW" altLang="en-US" sz="1400" b="0" i="0" u="none" strike="noStrike" cap="none" spc="0" normalizeH="0" baseline="0" dirty="0">
+                    <a:ln>
+                      <a:noFill/>
+                    </a:ln>
+                    <a:solidFill>
+                      <a:schemeClr val="tx1">
+                        <a:alpha val="15000"/>
+                      </a:schemeClr>
+                    </a:solidFill>
+                    <a:effectLst/>
+                    <a:uFillTx/>
+                    <a:latin typeface="Helvetica Neue Bold Condensed"/>
+                    <a:ea typeface="Helvetica Neue Bold Condensed"/>
+                    <a:cs typeface="Helvetica Neue Bold Condensed"/>
+                    <a:sym typeface="Helvetica Neue Bold Condensed"/>
+                  </a:rPr>
+                  <a:t>屆 </a:t>
+                </a:r>
+                <a:r>
+                  <a:rPr kumimoji="0" lang="en-US" sz="1800" b="0" i="0" u="none" strike="noStrike" cap="none" spc="0" normalizeH="0" baseline="0" dirty="0">
+                    <a:ln>
+                      <a:noFill/>
+                    </a:ln>
+                    <a:solidFill>
+                      <a:schemeClr val="tx1">
+                        <a:alpha val="15000"/>
+                      </a:schemeClr>
+                    </a:solidFill>
+                    <a:effectLst/>
+                    <a:uFillTx/>
+                    <a:latin typeface="Helvetica Neue Bold Condensed"/>
+                    <a:ea typeface="Helvetica Neue Bold Condensed"/>
+                    <a:cs typeface="Helvetica Neue Bold Condensed"/>
+                    <a:sym typeface="Helvetica Neue Bold Condensed"/>
+                  </a:rPr>
+                  <a:t>iT</a:t>
+                </a:r>
+                <a:r>
+                  <a:rPr kumimoji="0" lang="zh-TW" altLang="en-US" sz="1600" b="0" i="0" u="none" strike="noStrike" cap="none" spc="0" normalizeH="0" baseline="0" dirty="0">
+                    <a:ln>
+                      <a:noFill/>
+                    </a:ln>
+                    <a:solidFill>
+                      <a:schemeClr val="tx1">
+                        <a:alpha val="15000"/>
+                      </a:schemeClr>
+                    </a:solidFill>
+                    <a:effectLst/>
+                    <a:uFillTx/>
+                    <a:latin typeface="Helvetica Neue Bold Condensed"/>
+                    <a:ea typeface="Helvetica Neue Bold Condensed"/>
+                    <a:cs typeface="Helvetica Neue Bold Condensed"/>
+                    <a:sym typeface="Helvetica Neue Bold Condensed"/>
+                  </a:rPr>
+                  <a:t>邦</a:t>
+                </a:r>
+                <a:r>
+                  <a:rPr kumimoji="0" lang="zh-TW" altLang="en-US" sz="1200" b="0" i="0" u="none" strike="noStrike" cap="none" spc="0" normalizeH="0" baseline="0" dirty="0">
+                    <a:ln>
+                      <a:noFill/>
+                    </a:ln>
+                    <a:solidFill>
+                      <a:schemeClr val="tx1">
+                        <a:alpha val="15000"/>
+                      </a:schemeClr>
+                    </a:solidFill>
+                    <a:effectLst/>
+                    <a:uFillTx/>
+                    <a:latin typeface="Helvetica Neue Bold Condensed"/>
+                    <a:ea typeface="Helvetica Neue Bold Condensed"/>
+                    <a:cs typeface="Helvetica Neue Bold Condensed"/>
+                    <a:sym typeface="Helvetica Neue Bold Condensed"/>
+                  </a:rPr>
+                  <a:t>幫忙</a:t>
+                </a:r>
+                <a:r>
+                  <a:rPr kumimoji="0" lang="zh-TW" altLang="en-US" sz="1600" b="0" i="0" u="none" strike="noStrike" cap="none" spc="0" normalizeH="0" baseline="0" dirty="0">
+                    <a:ln>
+                      <a:noFill/>
+                    </a:ln>
+                    <a:solidFill>
+                      <a:schemeClr val="tx1">
+                        <a:alpha val="15000"/>
+                      </a:schemeClr>
+                    </a:solidFill>
+                    <a:effectLst/>
+                    <a:uFillTx/>
+                    <a:latin typeface="Helvetica Neue Bold Condensed"/>
+                    <a:ea typeface="Helvetica Neue Bold Condensed"/>
+                    <a:cs typeface="Helvetica Neue Bold Condensed"/>
+                    <a:sym typeface="Helvetica Neue Bold Condensed"/>
+                  </a:rPr>
+                  <a:t> 鐵人賽</a:t>
+                </a:r>
+                <a:endParaRPr sz="1600" dirty="0">
+                  <a:solidFill>
+                    <a:schemeClr val="tx1">
+                      <a:alpha val="15000"/>
+                    </a:schemeClr>
+                  </a:solidFill>
+                </a:endParaRPr>
+              </a:p>
+            </p:txBody>
+          </p:sp>
+          <p:sp>
+            <p:nvSpPr>
+              <p:cNvPr id="30" name="Intelligent Information Retrieval Laboratory">
+                <a:extLst>
+                  <a:ext uri="{FF2B5EF4-FFF2-40B4-BE49-F238E27FC236}">
+                    <a16:creationId xmlns:a16="http://schemas.microsoft.com/office/drawing/2014/main" id="{1C48A0BA-96F6-1443-9F66-570E0F04D4F0}"/>
+                  </a:ext>
+                </a:extLst>
+              </p:cNvPr>
+              <p:cNvSpPr txBox="1"/>
+              <p:nvPr/>
+            </p:nvSpPr>
+            <p:spPr>
+              <a:xfrm>
+                <a:off x="8753784" y="4354105"/>
+                <a:ext cx="1219200" cy="183922"/>
+              </a:xfrm>
+              <a:prstGeom prst="rect">
+                <a:avLst/>
+              </a:prstGeom>
+              <a:noFill/>
+              <a:ln w="12700" cap="flat">
+                <a:noFill/>
+                <a:miter lim="400000"/>
+              </a:ln>
+              <a:effectLst/>
+              <a:extLst>
+                <a:ext uri="{C572A759-6A51-4108-AA02-DFA0A04FC94B}">
+                  <ma14:wrappingTextBoxFlag xmlns:ma14="http://schemas.microsoft.com/office/mac/drawingml/2011/main" xmlns:a14="http://schemas.microsoft.com/office/drawing/2010/main" xmlns:m="http://schemas.openxmlformats.org/officeDocument/2006/math" xmlns="" val="1"/>
+                </a:ext>
+              </a:extLst>
+            </p:spPr>
+            <p:txBody>
+              <a:bodyPr wrap="square" lIns="71437" tIns="71437" rIns="71437" bIns="71437" numCol="1" anchor="ctr">
+                <a:spAutoFit/>
+              </a:bodyPr>
+              <a:lstStyle>
+                <a:lvl1pPr algn="l" defTabSz="821531">
+                  <a:defRPr sz="2400" b="0">
+                    <a:solidFill>
+                      <a:srgbClr val="FFFFFF"/>
+                    </a:solidFill>
+                    <a:latin typeface="Helvetica Neue Bold Condensed"/>
+                    <a:ea typeface="Helvetica Neue Bold Condensed"/>
+                    <a:cs typeface="Helvetica Neue Bold Condensed"/>
+                    <a:sym typeface="Helvetica Neue Bold Condensed"/>
+                  </a:defRPr>
+                </a:lvl1pPr>
+              </a:lstStyle>
+              <a:p>
+                <a:r>
+                  <a:rPr kumimoji="0" lang="en-US" altLang="zh-TW" sz="1400" b="0" i="0" u="none" strike="noStrike" cap="none" spc="0" normalizeH="0" baseline="0" dirty="0">
+                    <a:ln>
+                      <a:noFill/>
+                    </a:ln>
+                    <a:solidFill>
+                      <a:schemeClr val="tx1">
+                        <a:alpha val="15000"/>
+                      </a:schemeClr>
+                    </a:solidFill>
+                    <a:effectLst/>
+                    <a:uFillTx/>
+                    <a:latin typeface="Helvetica Neue Bold Condensed"/>
+                    <a:ea typeface="Helvetica Neue Bold Condensed"/>
+                    <a:cs typeface="Helvetica Neue Bold Condensed"/>
+                    <a:sym typeface="Helvetica Neue Bold Condensed"/>
+                  </a:rPr>
+                  <a:t>AI &amp; Data </a:t>
+                </a:r>
+                <a:r>
+                  <a:rPr kumimoji="0" lang="zh-TW" altLang="en-US" sz="1400" b="0" i="0" u="none" strike="noStrike" cap="none" spc="0" normalizeH="0" baseline="0" dirty="0">
+                    <a:ln>
+                      <a:noFill/>
+                    </a:ln>
+                    <a:solidFill>
+                      <a:schemeClr val="tx1">
+                        <a:alpha val="15000"/>
+                      </a:schemeClr>
+                    </a:solidFill>
+                    <a:effectLst/>
+                    <a:uFillTx/>
+                    <a:latin typeface="Helvetica Neue Bold Condensed"/>
+                    <a:ea typeface="Helvetica Neue Bold Condensed"/>
+                    <a:cs typeface="Helvetica Neue Bold Condensed"/>
+                    <a:sym typeface="Helvetica Neue Bold Condensed"/>
+                  </a:rPr>
+                  <a:t>組</a:t>
+                </a:r>
+                <a:endParaRPr sz="1600" dirty="0">
+                  <a:solidFill>
+                    <a:schemeClr val="tx1">
+                      <a:alpha val="15000"/>
+                    </a:schemeClr>
+                  </a:solidFill>
+                </a:endParaRPr>
+              </a:p>
+            </p:txBody>
+          </p:sp>
+        </p:grpSp>
+        <p:grpSp>
+          <p:nvGrpSpPr>
+            <p:cNvPr id="24" name="Group 23">
+              <a:extLst>
+                <a:ext uri="{FF2B5EF4-FFF2-40B4-BE49-F238E27FC236}">
+                  <a16:creationId xmlns:a16="http://schemas.microsoft.com/office/drawing/2014/main" id="{777FF3FE-0A9A-5A48-87E3-DEE825E70BD6}"/>
+                </a:ext>
+              </a:extLst>
+            </p:cNvPr>
+            <p:cNvGrpSpPr/>
+            <p:nvPr/>
+          </p:nvGrpSpPr>
+          <p:grpSpPr>
+            <a:xfrm>
+              <a:off x="7245205" y="4043080"/>
+              <a:ext cx="1917549" cy="892736"/>
+              <a:chOff x="3889162" y="4011274"/>
+              <a:chExt cx="1917549" cy="892736"/>
+            </a:xfrm>
+          </p:grpSpPr>
+          <p:pic>
+            <p:nvPicPr>
+              <p:cNvPr id="25" name="Picture 24">
+                <a:extLst>
+                  <a:ext uri="{FF2B5EF4-FFF2-40B4-BE49-F238E27FC236}">
+                    <a16:creationId xmlns:a16="http://schemas.microsoft.com/office/drawing/2014/main" id="{6EBA0BEF-38E2-E644-8964-239DE8F357B1}"/>
+                  </a:ext>
+                </a:extLst>
+              </p:cNvPr>
+              <p:cNvPicPr>
+                <a:picLocks noChangeAspect="1" noChangeArrowheads="1"/>
+              </p:cNvPicPr>
+              <p:nvPr/>
+            </p:nvPicPr>
+            <p:blipFill>
+              <a:blip r:embed="rId4">
+                <a:duotone>
+                  <a:prstClr val="black"/>
+                  <a:schemeClr val="tx1">
+                    <a:tint val="45000"/>
+                    <a:satMod val="400000"/>
+                  </a:schemeClr>
+                </a:duotone>
+                <a:alphaModFix amt="20000"/>
+              </a:blip>
+              <a:srcRect/>
+              <a:stretch/>
+            </p:blipFill>
+            <p:spPr bwMode="auto">
+              <a:xfrm>
+                <a:off x="4504801" y="4011274"/>
+                <a:ext cx="1080117" cy="892736"/>
+              </a:xfrm>
+              <a:prstGeom prst="rect">
+                <a:avLst/>
+              </a:prstGeom>
+              <a:noFill/>
+              <a:extLst>
+                <a:ext uri="{909E8E84-426E-40DD-AFC4-6F175D3DCCD1}">
+                  <a14:hiddenFill xmlns:a14="http://schemas.microsoft.com/office/drawing/2010/main">
+                    <a:solidFill>
+                      <a:srgbClr val="FFFFFF"/>
+                    </a:solidFill>
+                  </a14:hiddenFill>
+                </a:ext>
+              </a:extLst>
+            </p:spPr>
+          </p:pic>
+          <p:pic>
+            <p:nvPicPr>
+              <p:cNvPr id="26" name="Picture 4" descr="Youtube logo | Logok">
+                <a:extLst>
+                  <a:ext uri="{FF2B5EF4-FFF2-40B4-BE49-F238E27FC236}">
+                    <a16:creationId xmlns:a16="http://schemas.microsoft.com/office/drawing/2014/main" id="{411C8D45-CAF3-764B-B096-C9D52FD7A1E4}"/>
+                  </a:ext>
+                </a:extLst>
+              </p:cNvPr>
+              <p:cNvPicPr>
+                <a:picLocks noChangeAspect="1" noChangeArrowheads="1"/>
+              </p:cNvPicPr>
+              <p:nvPr/>
+            </p:nvPicPr>
+            <p:blipFill>
+              <a:blip r:embed="rId5">
+                <a:alphaModFix amt="20000"/>
+                <a:extLst>
+                  <a:ext uri="{28A0092B-C50C-407E-A947-70E740481C1C}">
+                    <a14:useLocalDpi xmlns:a14="http://schemas.microsoft.com/office/drawing/2010/main" val="0"/>
+                  </a:ext>
+                </a:extLst>
+              </a:blip>
+              <a:srcRect/>
+              <a:stretch>
+                <a:fillRect/>
+              </a:stretch>
+            </p:blipFill>
+            <p:spPr bwMode="auto">
+              <a:xfrm>
+                <a:off x="3889162" y="4233740"/>
+                <a:ext cx="768344" cy="478652"/>
+              </a:xfrm>
+              <a:prstGeom prst="rect">
+                <a:avLst/>
+              </a:prstGeom>
+              <a:noFill/>
+              <a:extLst>
+                <a:ext uri="{909E8E84-426E-40DD-AFC4-6F175D3DCCD1}">
+                  <a14:hiddenFill xmlns:a14="http://schemas.microsoft.com/office/drawing/2010/main">
+                    <a:solidFill>
+                      <a:srgbClr val="FFFFFF"/>
+                    </a:solidFill>
+                  </a14:hiddenFill>
+                </a:ext>
+              </a:extLst>
+            </p:spPr>
+          </p:pic>
+          <p:sp>
+            <p:nvSpPr>
+              <p:cNvPr id="27" name="Intelligent Information Retrieval Laboratory">
+                <a:extLst>
+                  <a:ext uri="{FF2B5EF4-FFF2-40B4-BE49-F238E27FC236}">
+                    <a16:creationId xmlns:a16="http://schemas.microsoft.com/office/drawing/2014/main" id="{501ED56D-CAFC-BD40-90FA-1966AD451551}"/>
+                  </a:ext>
+                </a:extLst>
+              </p:cNvPr>
+              <p:cNvSpPr txBox="1"/>
+              <p:nvPr/>
+            </p:nvSpPr>
+            <p:spPr>
+              <a:xfrm>
+                <a:off x="4587511" y="4365368"/>
+                <a:ext cx="1219200" cy="215396"/>
+              </a:xfrm>
+              <a:prstGeom prst="rect">
+                <a:avLst/>
+              </a:prstGeom>
+              <a:noFill/>
+              <a:ln w="12700" cap="flat">
+                <a:noFill/>
+                <a:miter lim="400000"/>
+              </a:ln>
+              <a:effectLst/>
+              <a:extLst>
+                <a:ext uri="{C572A759-6A51-4108-AA02-DFA0A04FC94B}">
+                  <ma14:wrappingTextBoxFlag xmlns:ma14="http://schemas.microsoft.com/office/mac/drawingml/2011/main" xmlns:a14="http://schemas.microsoft.com/office/drawing/2010/main" xmlns:m="http://schemas.openxmlformats.org/officeDocument/2006/math" xmlns="" val="1"/>
+                </a:ext>
+              </a:extLst>
+            </p:spPr>
+            <p:txBody>
+              <a:bodyPr wrap="square" lIns="71437" tIns="71437" rIns="71437" bIns="71437" numCol="1" anchor="ctr">
+                <a:spAutoFit/>
+              </a:bodyPr>
+              <a:lstStyle>
+                <a:lvl1pPr algn="l" defTabSz="821531">
+                  <a:defRPr sz="2400" b="0">
+                    <a:solidFill>
+                      <a:srgbClr val="FFFFFF"/>
+                    </a:solidFill>
+                    <a:latin typeface="Helvetica Neue Bold Condensed"/>
+                    <a:ea typeface="Helvetica Neue Bold Condensed"/>
+                    <a:cs typeface="Helvetica Neue Bold Condensed"/>
+                    <a:sym typeface="Helvetica Neue Bold Condensed"/>
+                  </a:defRPr>
+                </a:lvl1pPr>
+              </a:lstStyle>
+              <a:p>
+                <a:r>
+                  <a:rPr kumimoji="0" lang="en-US" altLang="zh-TW" sz="1800" b="0" i="0" u="none" strike="noStrike" cap="none" spc="0" normalizeH="0" baseline="0" dirty="0">
+                    <a:ln>
+                      <a:noFill/>
+                    </a:ln>
+                    <a:solidFill>
+                      <a:schemeClr val="tx1">
+                        <a:alpha val="15000"/>
+                      </a:schemeClr>
+                    </a:solidFill>
+                    <a:effectLst/>
+                    <a:uFillTx/>
+                    <a:latin typeface="Helvetica Neue Bold Condensed"/>
+                    <a:ea typeface="Helvetica Neue Bold Condensed"/>
+                    <a:cs typeface="Helvetica Neue Bold Condensed"/>
+                    <a:sym typeface="Helvetica Neue Bold Condensed"/>
+                  </a:rPr>
+                  <a:t>10</a:t>
+                </a:r>
+                <a:r>
+                  <a:rPr kumimoji="0" lang="zh-TW" altLang="en-US" sz="1800" b="0" i="0" u="none" strike="noStrike" cap="none" spc="0" normalizeH="0" baseline="0" dirty="0">
+                    <a:ln>
+                      <a:noFill/>
+                    </a:ln>
+                    <a:solidFill>
+                      <a:schemeClr val="tx1">
+                        <a:alpha val="15000"/>
+                      </a:schemeClr>
+                    </a:solidFill>
+                    <a:effectLst/>
+                    <a:uFillTx/>
+                    <a:sym typeface="Helvetica Neue Bold Condensed"/>
+                  </a:rPr>
+                  <a:t>程式中</a:t>
+                </a:r>
+                <a:endParaRPr sz="2000" dirty="0">
+                  <a:solidFill>
+                    <a:schemeClr val="tx1">
+                      <a:alpha val="15000"/>
+                    </a:schemeClr>
+                  </a:solidFill>
+                </a:endParaRPr>
+              </a:p>
+            </p:txBody>
+          </p:sp>
+        </p:grpSp>
+      </p:grpSp>
     </p:spTree>
     <p:extLst>
       <p:ext uri="{BB962C8B-B14F-4D97-AF65-F5344CB8AC3E}">
@@ -4365,6 +5455,553 @@
           </a:p>
         </p:txBody>
       </p:sp>
+      <p:grpSp>
+        <p:nvGrpSpPr>
+          <p:cNvPr id="8" name="Group 7">
+            <a:extLst>
+              <a:ext uri="{FF2B5EF4-FFF2-40B4-BE49-F238E27FC236}">
+                <a16:creationId xmlns:a16="http://schemas.microsoft.com/office/drawing/2014/main" id="{67B074BE-8943-C74E-855D-770F2EBE790D}"/>
+              </a:ext>
+            </a:extLst>
+          </p:cNvPr>
+          <p:cNvGrpSpPr>
+            <a:grpSpLocks noChangeAspect="1"/>
+          </p:cNvGrpSpPr>
+          <p:nvPr/>
+        </p:nvGrpSpPr>
+        <p:grpSpPr>
+          <a:xfrm>
+            <a:off x="2178569" y="4890471"/>
+            <a:ext cx="6998283" cy="1275458"/>
+            <a:chOff x="3360126" y="3971848"/>
+            <a:chExt cx="5764444" cy="1050587"/>
+          </a:xfrm>
+        </p:grpSpPr>
+        <p:grpSp>
+          <p:nvGrpSpPr>
+            <p:cNvPr id="9" name="Group 8">
+              <a:extLst>
+                <a:ext uri="{FF2B5EF4-FFF2-40B4-BE49-F238E27FC236}">
+                  <a16:creationId xmlns:a16="http://schemas.microsoft.com/office/drawing/2014/main" id="{E047F944-210E-7641-BE00-8AFD5B7E870A}"/>
+                </a:ext>
+              </a:extLst>
+            </p:cNvPr>
+            <p:cNvGrpSpPr/>
+            <p:nvPr/>
+          </p:nvGrpSpPr>
+          <p:grpSpPr>
+            <a:xfrm>
+              <a:off x="3360126" y="4324980"/>
+              <a:ext cx="2735874" cy="328935"/>
+              <a:chOff x="7237110" y="4273903"/>
+              <a:chExt cx="2735874" cy="328935"/>
+            </a:xfrm>
+          </p:grpSpPr>
+          <p:sp>
+            <p:nvSpPr>
+              <p:cNvPr id="14" name="Intelligent Information Retrieval Laboratory">
+                <a:extLst>
+                  <a:ext uri="{FF2B5EF4-FFF2-40B4-BE49-F238E27FC236}">
+                    <a16:creationId xmlns:a16="http://schemas.microsoft.com/office/drawing/2014/main" id="{2BAE01B0-DC62-0046-B3C6-17E61090AD05}"/>
+                  </a:ext>
+                </a:extLst>
+              </p:cNvPr>
+              <p:cNvSpPr txBox="1"/>
+              <p:nvPr/>
+            </p:nvSpPr>
+            <p:spPr>
+              <a:xfrm>
+                <a:off x="7237110" y="4273903"/>
+                <a:ext cx="2590800" cy="328935"/>
+              </a:xfrm>
+              <a:prstGeom prst="rect">
+                <a:avLst/>
+              </a:prstGeom>
+              <a:noFill/>
+              <a:ln w="12700" cap="flat">
+                <a:noFill/>
+                <a:miter lim="400000"/>
+              </a:ln>
+              <a:effectLst/>
+              <a:extLst>
+                <a:ext uri="{C572A759-6A51-4108-AA02-DFA0A04FC94B}">
+                  <ma14:wrappingTextBoxFlag xmlns:ma14="http://schemas.microsoft.com/office/mac/drawingml/2011/main" xmlns:a14="http://schemas.microsoft.com/office/drawing/2010/main" xmlns:m="http://schemas.openxmlformats.org/officeDocument/2006/math" xmlns="" val="1"/>
+                </a:ext>
+              </a:extLst>
+            </p:spPr>
+            <p:txBody>
+              <a:bodyPr wrap="square" lIns="71437" tIns="71437" rIns="71437" bIns="71437" numCol="1" anchor="ctr">
+                <a:spAutoFit/>
+              </a:bodyPr>
+              <a:lstStyle>
+                <a:lvl1pPr algn="l" defTabSz="821531">
+                  <a:defRPr sz="2400" b="0">
+                    <a:solidFill>
+                      <a:srgbClr val="FFFFFF"/>
+                    </a:solidFill>
+                    <a:latin typeface="Helvetica Neue Bold Condensed"/>
+                    <a:ea typeface="Helvetica Neue Bold Condensed"/>
+                    <a:cs typeface="Helvetica Neue Bold Condensed"/>
+                    <a:sym typeface="Helvetica Neue Bold Condensed"/>
+                  </a:defRPr>
+                </a:lvl1pPr>
+              </a:lstStyle>
+              <a:p>
+                <a:r>
+                  <a:rPr kumimoji="0" lang="zh-TW" altLang="en-US" sz="1050" b="0" i="0" u="none" strike="noStrike" cap="none" spc="0" normalizeH="0" baseline="0" dirty="0">
+                    <a:ln>
+                      <a:noFill/>
+                    </a:ln>
+                    <a:solidFill>
+                      <a:schemeClr val="tx1">
+                        <a:alpha val="15000"/>
+                      </a:schemeClr>
+                    </a:solidFill>
+                    <a:effectLst/>
+                    <a:uFillTx/>
+                    <a:latin typeface="Helvetica Neue Bold Condensed"/>
+                    <a:ea typeface="Helvetica Neue Bold Condensed"/>
+                    <a:cs typeface="Helvetica Neue Bold Condensed"/>
+                    <a:sym typeface="Helvetica Neue Bold Condensed"/>
+                  </a:rPr>
+                  <a:t>第</a:t>
+                </a:r>
+                <a:r>
+                  <a:rPr kumimoji="0" lang="en-US" altLang="zh-TW" sz="1050" b="0" i="0" u="none" strike="noStrike" cap="none" spc="0" normalizeH="0" baseline="0" dirty="0">
+                    <a:ln>
+                      <a:noFill/>
+                    </a:ln>
+                    <a:solidFill>
+                      <a:schemeClr val="tx1">
+                        <a:alpha val="15000"/>
+                      </a:schemeClr>
+                    </a:solidFill>
+                    <a:effectLst/>
+                    <a:uFillTx/>
+                    <a:latin typeface="Helvetica Neue Bold Condensed"/>
+                    <a:ea typeface="Helvetica Neue Bold Condensed"/>
+                    <a:cs typeface="Helvetica Neue Bold Condensed"/>
+                    <a:sym typeface="Helvetica Neue Bold Condensed"/>
+                  </a:rPr>
+                  <a:t>13</a:t>
+                </a:r>
+                <a:r>
+                  <a:rPr kumimoji="0" lang="zh-TW" altLang="en-US" sz="1050" b="0" i="0" u="none" strike="noStrike" cap="none" spc="0" normalizeH="0" baseline="0" dirty="0">
+                    <a:ln>
+                      <a:noFill/>
+                    </a:ln>
+                    <a:solidFill>
+                      <a:schemeClr val="tx1">
+                        <a:alpha val="15000"/>
+                      </a:schemeClr>
+                    </a:solidFill>
+                    <a:effectLst/>
+                    <a:uFillTx/>
+                    <a:latin typeface="Helvetica Neue Bold Condensed"/>
+                    <a:ea typeface="Helvetica Neue Bold Condensed"/>
+                    <a:cs typeface="Helvetica Neue Bold Condensed"/>
+                    <a:sym typeface="Helvetica Neue Bold Condensed"/>
+                  </a:rPr>
+                  <a:t>屆 </a:t>
+                </a:r>
+                <a:r>
+                  <a:rPr kumimoji="0" lang="en-US" sz="1200" b="0" i="0" u="none" strike="noStrike" cap="none" spc="0" normalizeH="0" baseline="0" dirty="0">
+                    <a:ln>
+                      <a:noFill/>
+                    </a:ln>
+                    <a:solidFill>
+                      <a:schemeClr val="tx1">
+                        <a:alpha val="15000"/>
+                      </a:schemeClr>
+                    </a:solidFill>
+                    <a:effectLst/>
+                    <a:uFillTx/>
+                    <a:latin typeface="Helvetica Neue Bold Condensed"/>
+                    <a:ea typeface="Helvetica Neue Bold Condensed"/>
+                    <a:cs typeface="Helvetica Neue Bold Condensed"/>
+                    <a:sym typeface="Helvetica Neue Bold Condensed"/>
+                  </a:rPr>
+                  <a:t>iT</a:t>
+                </a:r>
+                <a:r>
+                  <a:rPr kumimoji="0" lang="zh-TW" altLang="en-US" sz="1100" b="0" i="0" u="none" strike="noStrike" cap="none" spc="0" normalizeH="0" baseline="0" dirty="0">
+                    <a:ln>
+                      <a:noFill/>
+                    </a:ln>
+                    <a:solidFill>
+                      <a:schemeClr val="tx1">
+                        <a:alpha val="15000"/>
+                      </a:schemeClr>
+                    </a:solidFill>
+                    <a:effectLst/>
+                    <a:uFillTx/>
+                    <a:latin typeface="Helvetica Neue Bold Condensed"/>
+                    <a:ea typeface="Helvetica Neue Bold Condensed"/>
+                    <a:cs typeface="Helvetica Neue Bold Condensed"/>
+                    <a:sym typeface="Helvetica Neue Bold Condensed"/>
+                  </a:rPr>
+                  <a:t>邦</a:t>
+                </a:r>
+                <a:r>
+                  <a:rPr kumimoji="0" lang="zh-TW" altLang="en-US" sz="1000" b="0" i="0" u="none" strike="noStrike" cap="none" spc="0" normalizeH="0" baseline="0" dirty="0">
+                    <a:ln>
+                      <a:noFill/>
+                    </a:ln>
+                    <a:solidFill>
+                      <a:schemeClr val="tx1">
+                        <a:alpha val="15000"/>
+                      </a:schemeClr>
+                    </a:solidFill>
+                    <a:effectLst/>
+                    <a:uFillTx/>
+                    <a:latin typeface="Helvetica Neue Bold Condensed"/>
+                    <a:ea typeface="Helvetica Neue Bold Condensed"/>
+                    <a:cs typeface="Helvetica Neue Bold Condensed"/>
+                    <a:sym typeface="Helvetica Neue Bold Condensed"/>
+                  </a:rPr>
+                  <a:t>幫忙</a:t>
+                </a:r>
+                <a:r>
+                  <a:rPr kumimoji="0" lang="zh-TW" altLang="en-US" sz="1100" b="0" i="0" u="none" strike="noStrike" cap="none" spc="0" normalizeH="0" baseline="0" dirty="0">
+                    <a:ln>
+                      <a:noFill/>
+                    </a:ln>
+                    <a:solidFill>
+                      <a:schemeClr val="tx1">
+                        <a:alpha val="15000"/>
+                      </a:schemeClr>
+                    </a:solidFill>
+                    <a:effectLst/>
+                    <a:uFillTx/>
+                    <a:latin typeface="Helvetica Neue Bold Condensed"/>
+                    <a:ea typeface="Helvetica Neue Bold Condensed"/>
+                    <a:cs typeface="Helvetica Neue Bold Condensed"/>
+                    <a:sym typeface="Helvetica Neue Bold Condensed"/>
+                  </a:rPr>
+                  <a:t> 鐵人賽</a:t>
+                </a:r>
+                <a:endParaRPr sz="1100" dirty="0">
+                  <a:solidFill>
+                    <a:schemeClr val="tx1">
+                      <a:alpha val="15000"/>
+                    </a:schemeClr>
+                  </a:solidFill>
+                </a:endParaRPr>
+              </a:p>
+            </p:txBody>
+          </p:sp>
+          <p:sp>
+            <p:nvSpPr>
+              <p:cNvPr id="15" name="Intelligent Information Retrieval Laboratory">
+                <a:extLst>
+                  <a:ext uri="{FF2B5EF4-FFF2-40B4-BE49-F238E27FC236}">
+                    <a16:creationId xmlns:a16="http://schemas.microsoft.com/office/drawing/2014/main" id="{38321C47-3D24-A04A-9C3F-0850BA13807E}"/>
+                  </a:ext>
+                </a:extLst>
+              </p:cNvPr>
+              <p:cNvSpPr txBox="1"/>
+              <p:nvPr/>
+            </p:nvSpPr>
+            <p:spPr>
+              <a:xfrm>
+                <a:off x="8753784" y="4289292"/>
+                <a:ext cx="1219200" cy="313546"/>
+              </a:xfrm>
+              <a:prstGeom prst="rect">
+                <a:avLst/>
+              </a:prstGeom>
+              <a:noFill/>
+              <a:ln w="12700" cap="flat">
+                <a:noFill/>
+                <a:miter lim="400000"/>
+              </a:ln>
+              <a:effectLst/>
+              <a:extLst>
+                <a:ext uri="{C572A759-6A51-4108-AA02-DFA0A04FC94B}">
+                  <ma14:wrappingTextBoxFlag xmlns:ma14="http://schemas.microsoft.com/office/mac/drawingml/2011/main" xmlns:a14="http://schemas.microsoft.com/office/drawing/2010/main" xmlns:m="http://schemas.openxmlformats.org/officeDocument/2006/math" xmlns="" val="1"/>
+                </a:ext>
+              </a:extLst>
+            </p:spPr>
+            <p:txBody>
+              <a:bodyPr wrap="square" lIns="71437" tIns="71437" rIns="71437" bIns="71437" numCol="1" anchor="ctr">
+                <a:spAutoFit/>
+              </a:bodyPr>
+              <a:lstStyle>
+                <a:lvl1pPr algn="l" defTabSz="821531">
+                  <a:defRPr sz="2400" b="0">
+                    <a:solidFill>
+                      <a:srgbClr val="FFFFFF"/>
+                    </a:solidFill>
+                    <a:latin typeface="Helvetica Neue Bold Condensed"/>
+                    <a:ea typeface="Helvetica Neue Bold Condensed"/>
+                    <a:cs typeface="Helvetica Neue Bold Condensed"/>
+                    <a:sym typeface="Helvetica Neue Bold Condensed"/>
+                  </a:defRPr>
+                </a:lvl1pPr>
+              </a:lstStyle>
+              <a:p>
+                <a:r>
+                  <a:rPr kumimoji="0" lang="en-US" altLang="zh-TW" sz="1050" b="0" i="0" u="none" strike="noStrike" cap="none" spc="0" normalizeH="0" baseline="0" dirty="0">
+                    <a:ln>
+                      <a:noFill/>
+                    </a:ln>
+                    <a:solidFill>
+                      <a:schemeClr val="tx1">
+                        <a:alpha val="15000"/>
+                      </a:schemeClr>
+                    </a:solidFill>
+                    <a:effectLst/>
+                    <a:uFillTx/>
+                    <a:latin typeface="Helvetica Neue Bold Condensed"/>
+                    <a:ea typeface="Helvetica Neue Bold Condensed"/>
+                    <a:cs typeface="Helvetica Neue Bold Condensed"/>
+                    <a:sym typeface="Helvetica Neue Bold Condensed"/>
+                  </a:rPr>
+                  <a:t>AI &amp; Data </a:t>
+                </a:r>
+                <a:r>
+                  <a:rPr kumimoji="0" lang="zh-TW" altLang="en-US" sz="1050" b="0" i="0" u="none" strike="noStrike" cap="none" spc="0" normalizeH="0" baseline="0" dirty="0">
+                    <a:ln>
+                      <a:noFill/>
+                    </a:ln>
+                    <a:solidFill>
+                      <a:schemeClr val="tx1">
+                        <a:alpha val="15000"/>
+                      </a:schemeClr>
+                    </a:solidFill>
+                    <a:effectLst/>
+                    <a:uFillTx/>
+                    <a:latin typeface="Helvetica Neue Bold Condensed"/>
+                    <a:ea typeface="Helvetica Neue Bold Condensed"/>
+                    <a:cs typeface="Helvetica Neue Bold Condensed"/>
+                    <a:sym typeface="Helvetica Neue Bold Condensed"/>
+                  </a:rPr>
+                  <a:t>組</a:t>
+                </a:r>
+                <a:endParaRPr sz="1100" dirty="0">
+                  <a:solidFill>
+                    <a:schemeClr val="tx1">
+                      <a:alpha val="15000"/>
+                    </a:schemeClr>
+                  </a:solidFill>
+                </a:endParaRPr>
+              </a:p>
+            </p:txBody>
+          </p:sp>
+        </p:grpSp>
+        <p:grpSp>
+          <p:nvGrpSpPr>
+            <p:cNvPr id="10" name="Group 9">
+              <a:extLst>
+                <a:ext uri="{FF2B5EF4-FFF2-40B4-BE49-F238E27FC236}">
+                  <a16:creationId xmlns:a16="http://schemas.microsoft.com/office/drawing/2014/main" id="{DC15CC9A-9335-DE4F-A6DA-58E6CA05251D}"/>
+                </a:ext>
+              </a:extLst>
+            </p:cNvPr>
+            <p:cNvGrpSpPr/>
+            <p:nvPr/>
+          </p:nvGrpSpPr>
+          <p:grpSpPr>
+            <a:xfrm>
+              <a:off x="7247835" y="3971848"/>
+              <a:ext cx="1876735" cy="1050587"/>
+              <a:chOff x="3891792" y="3940042"/>
+              <a:chExt cx="1876735" cy="1050587"/>
+            </a:xfrm>
+          </p:grpSpPr>
+          <p:pic>
+            <p:nvPicPr>
+              <p:cNvPr id="11" name="Picture 10">
+                <a:extLst>
+                  <a:ext uri="{FF2B5EF4-FFF2-40B4-BE49-F238E27FC236}">
+                    <a16:creationId xmlns:a16="http://schemas.microsoft.com/office/drawing/2014/main" id="{0233270F-9CDA-D64D-9F3C-D866711C631C}"/>
+                  </a:ext>
+                </a:extLst>
+              </p:cNvPr>
+              <p:cNvPicPr>
+                <a:picLocks noChangeAspect="1" noChangeArrowheads="1"/>
+              </p:cNvPicPr>
+              <p:nvPr/>
+            </p:nvPicPr>
+            <p:blipFill>
+              <a:blip r:embed="rId4">
+                <a:duotone>
+                  <a:prstClr val="black"/>
+                  <a:schemeClr val="tx1">
+                    <a:tint val="45000"/>
+                    <a:satMod val="400000"/>
+                  </a:schemeClr>
+                </a:duotone>
+                <a:alphaModFix amt="20000"/>
+              </a:blip>
+              <a:srcRect/>
+              <a:stretch/>
+            </p:blipFill>
+            <p:spPr bwMode="auto">
+              <a:xfrm>
+                <a:off x="4489805" y="3940042"/>
+                <a:ext cx="1050587" cy="1050587"/>
+              </a:xfrm>
+              <a:prstGeom prst="rect">
+                <a:avLst/>
+              </a:prstGeom>
+              <a:noFill/>
+              <a:extLst>
+                <a:ext uri="{909E8E84-426E-40DD-AFC4-6F175D3DCCD1}">
+                  <a14:hiddenFill xmlns:a14="http://schemas.microsoft.com/office/drawing/2010/main">
+                    <a:solidFill>
+                      <a:srgbClr val="FFFFFF"/>
+                    </a:solidFill>
+                  </a14:hiddenFill>
+                </a:ext>
+              </a:extLst>
+            </p:spPr>
+          </p:pic>
+          <p:pic>
+            <p:nvPicPr>
+              <p:cNvPr id="12" name="Picture 4" descr="Youtube logo | Logok">
+                <a:extLst>
+                  <a:ext uri="{FF2B5EF4-FFF2-40B4-BE49-F238E27FC236}">
+                    <a16:creationId xmlns:a16="http://schemas.microsoft.com/office/drawing/2014/main" id="{5A1DE0F9-69BA-8F46-8FF2-6C1383157636}"/>
+                  </a:ext>
+                </a:extLst>
+              </p:cNvPr>
+              <p:cNvPicPr>
+                <a:picLocks noChangeAspect="1" noChangeArrowheads="1"/>
+              </p:cNvPicPr>
+              <p:nvPr/>
+            </p:nvPicPr>
+            <p:blipFill>
+              <a:blip r:embed="rId5">
+                <a:alphaModFix amt="20000"/>
+                <a:extLst>
+                  <a:ext uri="{28A0092B-C50C-407E-A947-70E740481C1C}">
+                    <a14:useLocalDpi xmlns:a14="http://schemas.microsoft.com/office/drawing/2010/main" val="0"/>
+                  </a:ext>
+                </a:extLst>
+              </a:blip>
+              <a:srcRect/>
+              <a:stretch>
+                <a:fillRect/>
+              </a:stretch>
+            </p:blipFill>
+            <p:spPr bwMode="auto">
+              <a:xfrm>
+                <a:off x="3891792" y="4187926"/>
+                <a:ext cx="743302" cy="557476"/>
+              </a:xfrm>
+              <a:prstGeom prst="rect">
+                <a:avLst/>
+              </a:prstGeom>
+              <a:noFill/>
+              <a:extLst>
+                <a:ext uri="{909E8E84-426E-40DD-AFC4-6F175D3DCCD1}">
+                  <a14:hiddenFill xmlns:a14="http://schemas.microsoft.com/office/drawing/2010/main">
+                    <a:solidFill>
+                      <a:srgbClr val="FFFFFF"/>
+                    </a:solidFill>
+                  </a14:hiddenFill>
+                </a:ext>
+              </a:extLst>
+            </p:spPr>
+          </p:pic>
+          <p:sp>
+            <p:nvSpPr>
+              <p:cNvPr id="13" name="Intelligent Information Retrieval Laboratory">
+                <a:extLst>
+                  <a:ext uri="{FF2B5EF4-FFF2-40B4-BE49-F238E27FC236}">
+                    <a16:creationId xmlns:a16="http://schemas.microsoft.com/office/drawing/2014/main" id="{52C311FF-4150-4C4A-BB5D-93D359B61868}"/>
+                  </a:ext>
+                </a:extLst>
+              </p:cNvPr>
+              <p:cNvSpPr txBox="1"/>
+              <p:nvPr/>
+            </p:nvSpPr>
+            <p:spPr>
+              <a:xfrm>
+                <a:off x="4549327" y="4308603"/>
+                <a:ext cx="1219200" cy="328935"/>
+              </a:xfrm>
+              <a:prstGeom prst="rect">
+                <a:avLst/>
+              </a:prstGeom>
+              <a:noFill/>
+              <a:ln w="12700" cap="flat">
+                <a:noFill/>
+                <a:miter lim="400000"/>
+              </a:ln>
+              <a:effectLst/>
+              <a:extLst>
+                <a:ext uri="{C572A759-6A51-4108-AA02-DFA0A04FC94B}">
+                  <ma14:wrappingTextBoxFlag xmlns:ma14="http://schemas.microsoft.com/office/mac/drawingml/2011/main" xmlns:a14="http://schemas.microsoft.com/office/drawing/2010/main" xmlns:m="http://schemas.openxmlformats.org/officeDocument/2006/math" xmlns="" val="1"/>
+                </a:ext>
+              </a:extLst>
+            </p:spPr>
+            <p:txBody>
+              <a:bodyPr wrap="square" lIns="71437" tIns="71437" rIns="71437" bIns="71437" numCol="1" anchor="ctr">
+                <a:spAutoFit/>
+              </a:bodyPr>
+              <a:lstStyle>
+                <a:lvl1pPr algn="l" defTabSz="821531">
+                  <a:defRPr sz="2400" b="0">
+                    <a:solidFill>
+                      <a:srgbClr val="FFFFFF"/>
+                    </a:solidFill>
+                    <a:latin typeface="Helvetica Neue Bold Condensed"/>
+                    <a:ea typeface="Helvetica Neue Bold Condensed"/>
+                    <a:cs typeface="Helvetica Neue Bold Condensed"/>
+                    <a:sym typeface="Helvetica Neue Bold Condensed"/>
+                  </a:defRPr>
+                </a:lvl1pPr>
+              </a:lstStyle>
+              <a:p>
+                <a:r>
+                  <a:rPr kumimoji="0" lang="en-US" altLang="zh-TW" sz="1200" b="0" i="0" u="none" strike="noStrike" cap="none" spc="0" normalizeH="0" baseline="0" dirty="0">
+                    <a:ln>
+                      <a:noFill/>
+                    </a:ln>
+                    <a:solidFill>
+                      <a:schemeClr val="tx1">
+                        <a:alpha val="15000"/>
+                      </a:schemeClr>
+                    </a:solidFill>
+                    <a:effectLst/>
+                    <a:uFillTx/>
+                    <a:latin typeface="Helvetica Neue Bold Condensed"/>
+                    <a:ea typeface="Helvetica Neue Bold Condensed"/>
+                    <a:cs typeface="Helvetica Neue Bold Condensed"/>
+                    <a:sym typeface="Helvetica Neue Bold Condensed"/>
+                  </a:rPr>
+                  <a:t>10</a:t>
+                </a:r>
+                <a:r>
+                  <a:rPr kumimoji="0" lang="zh-TW" altLang="en-US" sz="1200" b="0" i="0" u="none" strike="noStrike" cap="none" spc="0" normalizeH="0" baseline="0" dirty="0">
+                    <a:ln>
+                      <a:noFill/>
+                    </a:ln>
+                    <a:solidFill>
+                      <a:schemeClr val="tx1">
+                        <a:alpha val="15000"/>
+                      </a:schemeClr>
+                    </a:solidFill>
+                    <a:effectLst/>
+                    <a:uFillTx/>
+                    <a:sym typeface="Helvetica Neue Bold Condensed"/>
+                  </a:rPr>
+                  <a:t>程式中</a:t>
+                </a:r>
+                <a:endParaRPr sz="1400" dirty="0">
+                  <a:solidFill>
+                    <a:schemeClr val="tx1">
+                      <a:alpha val="15000"/>
+                    </a:schemeClr>
+                  </a:solidFill>
+                </a:endParaRPr>
+              </a:p>
+            </p:txBody>
+          </p:sp>
+        </p:grpSp>
+      </p:grpSp>
     </p:spTree>
     <p:extLst>
       <p:ext uri="{BB962C8B-B14F-4D97-AF65-F5344CB8AC3E}">
@@ -4455,6 +6092,553 @@
           </a:prstGeom>
         </p:spPr>
       </p:pic>
+      <p:grpSp>
+        <p:nvGrpSpPr>
+          <p:cNvPr id="4" name="Group 3">
+            <a:extLst>
+              <a:ext uri="{FF2B5EF4-FFF2-40B4-BE49-F238E27FC236}">
+                <a16:creationId xmlns:a16="http://schemas.microsoft.com/office/drawing/2014/main" id="{3BABBCF2-BCB7-8243-8542-FE9EC9DE4178}"/>
+              </a:ext>
+            </a:extLst>
+          </p:cNvPr>
+          <p:cNvGrpSpPr>
+            <a:grpSpLocks noChangeAspect="1"/>
+          </p:cNvGrpSpPr>
+          <p:nvPr/>
+        </p:nvGrpSpPr>
+        <p:grpSpPr>
+          <a:xfrm>
+            <a:off x="2762228" y="4360880"/>
+            <a:ext cx="6998283" cy="1275458"/>
+            <a:chOff x="3360126" y="3971848"/>
+            <a:chExt cx="5764444" cy="1050587"/>
+          </a:xfrm>
+        </p:grpSpPr>
+        <p:grpSp>
+          <p:nvGrpSpPr>
+            <p:cNvPr id="6" name="Group 5">
+              <a:extLst>
+                <a:ext uri="{FF2B5EF4-FFF2-40B4-BE49-F238E27FC236}">
+                  <a16:creationId xmlns:a16="http://schemas.microsoft.com/office/drawing/2014/main" id="{9B1B69E3-00D6-EE4F-9E2F-D4C46249F1FD}"/>
+                </a:ext>
+              </a:extLst>
+            </p:cNvPr>
+            <p:cNvGrpSpPr/>
+            <p:nvPr/>
+          </p:nvGrpSpPr>
+          <p:grpSpPr>
+            <a:xfrm>
+              <a:off x="3360126" y="4324980"/>
+              <a:ext cx="2735874" cy="328935"/>
+              <a:chOff x="7237110" y="4273903"/>
+              <a:chExt cx="2735874" cy="328935"/>
+            </a:xfrm>
+          </p:grpSpPr>
+          <p:sp>
+            <p:nvSpPr>
+              <p:cNvPr id="11" name="Intelligent Information Retrieval Laboratory">
+                <a:extLst>
+                  <a:ext uri="{FF2B5EF4-FFF2-40B4-BE49-F238E27FC236}">
+                    <a16:creationId xmlns:a16="http://schemas.microsoft.com/office/drawing/2014/main" id="{6D4FC5F6-006B-E742-99D2-5AA2C2C4BBE4}"/>
+                  </a:ext>
+                </a:extLst>
+              </p:cNvPr>
+              <p:cNvSpPr txBox="1"/>
+              <p:nvPr/>
+            </p:nvSpPr>
+            <p:spPr>
+              <a:xfrm>
+                <a:off x="7237110" y="4273903"/>
+                <a:ext cx="2590800" cy="328935"/>
+              </a:xfrm>
+              <a:prstGeom prst="rect">
+                <a:avLst/>
+              </a:prstGeom>
+              <a:noFill/>
+              <a:ln w="12700" cap="flat">
+                <a:noFill/>
+                <a:miter lim="400000"/>
+              </a:ln>
+              <a:effectLst/>
+              <a:extLst>
+                <a:ext uri="{C572A759-6A51-4108-AA02-DFA0A04FC94B}">
+                  <ma14:wrappingTextBoxFlag xmlns:ma14="http://schemas.microsoft.com/office/mac/drawingml/2011/main" xmlns:a14="http://schemas.microsoft.com/office/drawing/2010/main" xmlns:m="http://schemas.openxmlformats.org/officeDocument/2006/math" xmlns="" val="1"/>
+                </a:ext>
+              </a:extLst>
+            </p:spPr>
+            <p:txBody>
+              <a:bodyPr wrap="square" lIns="71437" tIns="71437" rIns="71437" bIns="71437" numCol="1" anchor="ctr">
+                <a:spAutoFit/>
+              </a:bodyPr>
+              <a:lstStyle>
+                <a:lvl1pPr algn="l" defTabSz="821531">
+                  <a:defRPr sz="2400" b="0">
+                    <a:solidFill>
+                      <a:srgbClr val="FFFFFF"/>
+                    </a:solidFill>
+                    <a:latin typeface="Helvetica Neue Bold Condensed"/>
+                    <a:ea typeface="Helvetica Neue Bold Condensed"/>
+                    <a:cs typeface="Helvetica Neue Bold Condensed"/>
+                    <a:sym typeface="Helvetica Neue Bold Condensed"/>
+                  </a:defRPr>
+                </a:lvl1pPr>
+              </a:lstStyle>
+              <a:p>
+                <a:r>
+                  <a:rPr kumimoji="0" lang="zh-TW" altLang="en-US" sz="1050" b="0" i="0" u="none" strike="noStrike" cap="none" spc="0" normalizeH="0" baseline="0" dirty="0">
+                    <a:ln>
+                      <a:noFill/>
+                    </a:ln>
+                    <a:solidFill>
+                      <a:schemeClr val="tx1">
+                        <a:alpha val="15000"/>
+                      </a:schemeClr>
+                    </a:solidFill>
+                    <a:effectLst/>
+                    <a:uFillTx/>
+                    <a:latin typeface="Helvetica Neue Bold Condensed"/>
+                    <a:ea typeface="Helvetica Neue Bold Condensed"/>
+                    <a:cs typeface="Helvetica Neue Bold Condensed"/>
+                    <a:sym typeface="Helvetica Neue Bold Condensed"/>
+                  </a:rPr>
+                  <a:t>第</a:t>
+                </a:r>
+                <a:r>
+                  <a:rPr kumimoji="0" lang="en-US" altLang="zh-TW" sz="1050" b="0" i="0" u="none" strike="noStrike" cap="none" spc="0" normalizeH="0" baseline="0" dirty="0">
+                    <a:ln>
+                      <a:noFill/>
+                    </a:ln>
+                    <a:solidFill>
+                      <a:schemeClr val="tx1">
+                        <a:alpha val="15000"/>
+                      </a:schemeClr>
+                    </a:solidFill>
+                    <a:effectLst/>
+                    <a:uFillTx/>
+                    <a:latin typeface="Helvetica Neue Bold Condensed"/>
+                    <a:ea typeface="Helvetica Neue Bold Condensed"/>
+                    <a:cs typeface="Helvetica Neue Bold Condensed"/>
+                    <a:sym typeface="Helvetica Neue Bold Condensed"/>
+                  </a:rPr>
+                  <a:t>13</a:t>
+                </a:r>
+                <a:r>
+                  <a:rPr kumimoji="0" lang="zh-TW" altLang="en-US" sz="1050" b="0" i="0" u="none" strike="noStrike" cap="none" spc="0" normalizeH="0" baseline="0" dirty="0">
+                    <a:ln>
+                      <a:noFill/>
+                    </a:ln>
+                    <a:solidFill>
+                      <a:schemeClr val="tx1">
+                        <a:alpha val="15000"/>
+                      </a:schemeClr>
+                    </a:solidFill>
+                    <a:effectLst/>
+                    <a:uFillTx/>
+                    <a:latin typeface="Helvetica Neue Bold Condensed"/>
+                    <a:ea typeface="Helvetica Neue Bold Condensed"/>
+                    <a:cs typeface="Helvetica Neue Bold Condensed"/>
+                    <a:sym typeface="Helvetica Neue Bold Condensed"/>
+                  </a:rPr>
+                  <a:t>屆 </a:t>
+                </a:r>
+                <a:r>
+                  <a:rPr kumimoji="0" lang="en-US" sz="1200" b="0" i="0" u="none" strike="noStrike" cap="none" spc="0" normalizeH="0" baseline="0" dirty="0">
+                    <a:ln>
+                      <a:noFill/>
+                    </a:ln>
+                    <a:solidFill>
+                      <a:schemeClr val="tx1">
+                        <a:alpha val="15000"/>
+                      </a:schemeClr>
+                    </a:solidFill>
+                    <a:effectLst/>
+                    <a:uFillTx/>
+                    <a:latin typeface="Helvetica Neue Bold Condensed"/>
+                    <a:ea typeface="Helvetica Neue Bold Condensed"/>
+                    <a:cs typeface="Helvetica Neue Bold Condensed"/>
+                    <a:sym typeface="Helvetica Neue Bold Condensed"/>
+                  </a:rPr>
+                  <a:t>iT</a:t>
+                </a:r>
+                <a:r>
+                  <a:rPr kumimoji="0" lang="zh-TW" altLang="en-US" sz="1100" b="0" i="0" u="none" strike="noStrike" cap="none" spc="0" normalizeH="0" baseline="0" dirty="0">
+                    <a:ln>
+                      <a:noFill/>
+                    </a:ln>
+                    <a:solidFill>
+                      <a:schemeClr val="tx1">
+                        <a:alpha val="15000"/>
+                      </a:schemeClr>
+                    </a:solidFill>
+                    <a:effectLst/>
+                    <a:uFillTx/>
+                    <a:latin typeface="Helvetica Neue Bold Condensed"/>
+                    <a:ea typeface="Helvetica Neue Bold Condensed"/>
+                    <a:cs typeface="Helvetica Neue Bold Condensed"/>
+                    <a:sym typeface="Helvetica Neue Bold Condensed"/>
+                  </a:rPr>
+                  <a:t>邦</a:t>
+                </a:r>
+                <a:r>
+                  <a:rPr kumimoji="0" lang="zh-TW" altLang="en-US" sz="1000" b="0" i="0" u="none" strike="noStrike" cap="none" spc="0" normalizeH="0" baseline="0" dirty="0">
+                    <a:ln>
+                      <a:noFill/>
+                    </a:ln>
+                    <a:solidFill>
+                      <a:schemeClr val="tx1">
+                        <a:alpha val="15000"/>
+                      </a:schemeClr>
+                    </a:solidFill>
+                    <a:effectLst/>
+                    <a:uFillTx/>
+                    <a:latin typeface="Helvetica Neue Bold Condensed"/>
+                    <a:ea typeface="Helvetica Neue Bold Condensed"/>
+                    <a:cs typeface="Helvetica Neue Bold Condensed"/>
+                    <a:sym typeface="Helvetica Neue Bold Condensed"/>
+                  </a:rPr>
+                  <a:t>幫忙</a:t>
+                </a:r>
+                <a:r>
+                  <a:rPr kumimoji="0" lang="zh-TW" altLang="en-US" sz="1100" b="0" i="0" u="none" strike="noStrike" cap="none" spc="0" normalizeH="0" baseline="0" dirty="0">
+                    <a:ln>
+                      <a:noFill/>
+                    </a:ln>
+                    <a:solidFill>
+                      <a:schemeClr val="tx1">
+                        <a:alpha val="15000"/>
+                      </a:schemeClr>
+                    </a:solidFill>
+                    <a:effectLst/>
+                    <a:uFillTx/>
+                    <a:latin typeface="Helvetica Neue Bold Condensed"/>
+                    <a:ea typeface="Helvetica Neue Bold Condensed"/>
+                    <a:cs typeface="Helvetica Neue Bold Condensed"/>
+                    <a:sym typeface="Helvetica Neue Bold Condensed"/>
+                  </a:rPr>
+                  <a:t> 鐵人賽</a:t>
+                </a:r>
+                <a:endParaRPr sz="1100" dirty="0">
+                  <a:solidFill>
+                    <a:schemeClr val="tx1">
+                      <a:alpha val="15000"/>
+                    </a:schemeClr>
+                  </a:solidFill>
+                </a:endParaRPr>
+              </a:p>
+            </p:txBody>
+          </p:sp>
+          <p:sp>
+            <p:nvSpPr>
+              <p:cNvPr id="12" name="Intelligent Information Retrieval Laboratory">
+                <a:extLst>
+                  <a:ext uri="{FF2B5EF4-FFF2-40B4-BE49-F238E27FC236}">
+                    <a16:creationId xmlns:a16="http://schemas.microsoft.com/office/drawing/2014/main" id="{50ADFF88-98F0-4A4D-8F5F-A819EC0E45B4}"/>
+                  </a:ext>
+                </a:extLst>
+              </p:cNvPr>
+              <p:cNvSpPr txBox="1"/>
+              <p:nvPr/>
+            </p:nvSpPr>
+            <p:spPr>
+              <a:xfrm>
+                <a:off x="8753784" y="4289292"/>
+                <a:ext cx="1219200" cy="313546"/>
+              </a:xfrm>
+              <a:prstGeom prst="rect">
+                <a:avLst/>
+              </a:prstGeom>
+              <a:noFill/>
+              <a:ln w="12700" cap="flat">
+                <a:noFill/>
+                <a:miter lim="400000"/>
+              </a:ln>
+              <a:effectLst/>
+              <a:extLst>
+                <a:ext uri="{C572A759-6A51-4108-AA02-DFA0A04FC94B}">
+                  <ma14:wrappingTextBoxFlag xmlns:ma14="http://schemas.microsoft.com/office/mac/drawingml/2011/main" xmlns:a14="http://schemas.microsoft.com/office/drawing/2010/main" xmlns:m="http://schemas.openxmlformats.org/officeDocument/2006/math" xmlns="" val="1"/>
+                </a:ext>
+              </a:extLst>
+            </p:spPr>
+            <p:txBody>
+              <a:bodyPr wrap="square" lIns="71437" tIns="71437" rIns="71437" bIns="71437" numCol="1" anchor="ctr">
+                <a:spAutoFit/>
+              </a:bodyPr>
+              <a:lstStyle>
+                <a:lvl1pPr algn="l" defTabSz="821531">
+                  <a:defRPr sz="2400" b="0">
+                    <a:solidFill>
+                      <a:srgbClr val="FFFFFF"/>
+                    </a:solidFill>
+                    <a:latin typeface="Helvetica Neue Bold Condensed"/>
+                    <a:ea typeface="Helvetica Neue Bold Condensed"/>
+                    <a:cs typeface="Helvetica Neue Bold Condensed"/>
+                    <a:sym typeface="Helvetica Neue Bold Condensed"/>
+                  </a:defRPr>
+                </a:lvl1pPr>
+              </a:lstStyle>
+              <a:p>
+                <a:r>
+                  <a:rPr kumimoji="0" lang="en-US" altLang="zh-TW" sz="1050" b="0" i="0" u="none" strike="noStrike" cap="none" spc="0" normalizeH="0" baseline="0" dirty="0">
+                    <a:ln>
+                      <a:noFill/>
+                    </a:ln>
+                    <a:solidFill>
+                      <a:schemeClr val="tx1">
+                        <a:alpha val="15000"/>
+                      </a:schemeClr>
+                    </a:solidFill>
+                    <a:effectLst/>
+                    <a:uFillTx/>
+                    <a:latin typeface="Helvetica Neue Bold Condensed"/>
+                    <a:ea typeface="Helvetica Neue Bold Condensed"/>
+                    <a:cs typeface="Helvetica Neue Bold Condensed"/>
+                    <a:sym typeface="Helvetica Neue Bold Condensed"/>
+                  </a:rPr>
+                  <a:t>AI &amp; Data </a:t>
+                </a:r>
+                <a:r>
+                  <a:rPr kumimoji="0" lang="zh-TW" altLang="en-US" sz="1050" b="0" i="0" u="none" strike="noStrike" cap="none" spc="0" normalizeH="0" baseline="0" dirty="0">
+                    <a:ln>
+                      <a:noFill/>
+                    </a:ln>
+                    <a:solidFill>
+                      <a:schemeClr val="tx1">
+                        <a:alpha val="15000"/>
+                      </a:schemeClr>
+                    </a:solidFill>
+                    <a:effectLst/>
+                    <a:uFillTx/>
+                    <a:latin typeface="Helvetica Neue Bold Condensed"/>
+                    <a:ea typeface="Helvetica Neue Bold Condensed"/>
+                    <a:cs typeface="Helvetica Neue Bold Condensed"/>
+                    <a:sym typeface="Helvetica Neue Bold Condensed"/>
+                  </a:rPr>
+                  <a:t>組</a:t>
+                </a:r>
+                <a:endParaRPr sz="1100" dirty="0">
+                  <a:solidFill>
+                    <a:schemeClr val="tx1">
+                      <a:alpha val="15000"/>
+                    </a:schemeClr>
+                  </a:solidFill>
+                </a:endParaRPr>
+              </a:p>
+            </p:txBody>
+          </p:sp>
+        </p:grpSp>
+        <p:grpSp>
+          <p:nvGrpSpPr>
+            <p:cNvPr id="7" name="Group 6">
+              <a:extLst>
+                <a:ext uri="{FF2B5EF4-FFF2-40B4-BE49-F238E27FC236}">
+                  <a16:creationId xmlns:a16="http://schemas.microsoft.com/office/drawing/2014/main" id="{DA95085A-5F30-C249-9AC3-ACD5C09FBCEF}"/>
+                </a:ext>
+              </a:extLst>
+            </p:cNvPr>
+            <p:cNvGrpSpPr/>
+            <p:nvPr/>
+          </p:nvGrpSpPr>
+          <p:grpSpPr>
+            <a:xfrm>
+              <a:off x="7247835" y="3971848"/>
+              <a:ext cx="1876735" cy="1050587"/>
+              <a:chOff x="3891792" y="3940042"/>
+              <a:chExt cx="1876735" cy="1050587"/>
+            </a:xfrm>
+          </p:grpSpPr>
+          <p:pic>
+            <p:nvPicPr>
+              <p:cNvPr id="8" name="Picture 7">
+                <a:extLst>
+                  <a:ext uri="{FF2B5EF4-FFF2-40B4-BE49-F238E27FC236}">
+                    <a16:creationId xmlns:a16="http://schemas.microsoft.com/office/drawing/2014/main" id="{AB5782BF-0F03-AF44-80E4-C2CE1EC16DCB}"/>
+                  </a:ext>
+                </a:extLst>
+              </p:cNvPr>
+              <p:cNvPicPr>
+                <a:picLocks noChangeAspect="1" noChangeArrowheads="1"/>
+              </p:cNvPicPr>
+              <p:nvPr/>
+            </p:nvPicPr>
+            <p:blipFill>
+              <a:blip r:embed="rId4">
+                <a:duotone>
+                  <a:prstClr val="black"/>
+                  <a:schemeClr val="tx1">
+                    <a:tint val="45000"/>
+                    <a:satMod val="400000"/>
+                  </a:schemeClr>
+                </a:duotone>
+                <a:alphaModFix amt="20000"/>
+              </a:blip>
+              <a:srcRect/>
+              <a:stretch/>
+            </p:blipFill>
+            <p:spPr bwMode="auto">
+              <a:xfrm>
+                <a:off x="4489805" y="3940042"/>
+                <a:ext cx="1050587" cy="1050587"/>
+              </a:xfrm>
+              <a:prstGeom prst="rect">
+                <a:avLst/>
+              </a:prstGeom>
+              <a:noFill/>
+              <a:extLst>
+                <a:ext uri="{909E8E84-426E-40DD-AFC4-6F175D3DCCD1}">
+                  <a14:hiddenFill xmlns:a14="http://schemas.microsoft.com/office/drawing/2010/main">
+                    <a:solidFill>
+                      <a:srgbClr val="FFFFFF"/>
+                    </a:solidFill>
+                  </a14:hiddenFill>
+                </a:ext>
+              </a:extLst>
+            </p:spPr>
+          </p:pic>
+          <p:pic>
+            <p:nvPicPr>
+              <p:cNvPr id="9" name="Picture 4" descr="Youtube logo | Logok">
+                <a:extLst>
+                  <a:ext uri="{FF2B5EF4-FFF2-40B4-BE49-F238E27FC236}">
+                    <a16:creationId xmlns:a16="http://schemas.microsoft.com/office/drawing/2014/main" id="{D29EB57D-81C6-1647-BE6A-7C3AE4CD125E}"/>
+                  </a:ext>
+                </a:extLst>
+              </p:cNvPr>
+              <p:cNvPicPr>
+                <a:picLocks noChangeAspect="1" noChangeArrowheads="1"/>
+              </p:cNvPicPr>
+              <p:nvPr/>
+            </p:nvPicPr>
+            <p:blipFill>
+              <a:blip r:embed="rId5">
+                <a:alphaModFix amt="20000"/>
+                <a:extLst>
+                  <a:ext uri="{28A0092B-C50C-407E-A947-70E740481C1C}">
+                    <a14:useLocalDpi xmlns:a14="http://schemas.microsoft.com/office/drawing/2010/main" val="0"/>
+                  </a:ext>
+                </a:extLst>
+              </a:blip>
+              <a:srcRect/>
+              <a:stretch>
+                <a:fillRect/>
+              </a:stretch>
+            </p:blipFill>
+            <p:spPr bwMode="auto">
+              <a:xfrm>
+                <a:off x="3891792" y="4187926"/>
+                <a:ext cx="739756" cy="554817"/>
+              </a:xfrm>
+              <a:prstGeom prst="rect">
+                <a:avLst/>
+              </a:prstGeom>
+              <a:noFill/>
+              <a:extLst>
+                <a:ext uri="{909E8E84-426E-40DD-AFC4-6F175D3DCCD1}">
+                  <a14:hiddenFill xmlns:a14="http://schemas.microsoft.com/office/drawing/2010/main">
+                    <a:solidFill>
+                      <a:srgbClr val="FFFFFF"/>
+                    </a:solidFill>
+                  </a14:hiddenFill>
+                </a:ext>
+              </a:extLst>
+            </p:spPr>
+          </p:pic>
+          <p:sp>
+            <p:nvSpPr>
+              <p:cNvPr id="10" name="Intelligent Information Retrieval Laboratory">
+                <a:extLst>
+                  <a:ext uri="{FF2B5EF4-FFF2-40B4-BE49-F238E27FC236}">
+                    <a16:creationId xmlns:a16="http://schemas.microsoft.com/office/drawing/2014/main" id="{E49A9705-763C-E947-A2FB-6F7801ABB78C}"/>
+                  </a:ext>
+                </a:extLst>
+              </p:cNvPr>
+              <p:cNvSpPr txBox="1"/>
+              <p:nvPr/>
+            </p:nvSpPr>
+            <p:spPr>
+              <a:xfrm>
+                <a:off x="4549327" y="4308601"/>
+                <a:ext cx="1219200" cy="328935"/>
+              </a:xfrm>
+              <a:prstGeom prst="rect">
+                <a:avLst/>
+              </a:prstGeom>
+              <a:noFill/>
+              <a:ln w="12700" cap="flat">
+                <a:noFill/>
+                <a:miter lim="400000"/>
+              </a:ln>
+              <a:effectLst/>
+              <a:extLst>
+                <a:ext uri="{C572A759-6A51-4108-AA02-DFA0A04FC94B}">
+                  <ma14:wrappingTextBoxFlag xmlns:ma14="http://schemas.microsoft.com/office/mac/drawingml/2011/main" xmlns:a14="http://schemas.microsoft.com/office/drawing/2010/main" xmlns:m="http://schemas.openxmlformats.org/officeDocument/2006/math" xmlns="" val="1"/>
+                </a:ext>
+              </a:extLst>
+            </p:spPr>
+            <p:txBody>
+              <a:bodyPr wrap="square" lIns="71437" tIns="71437" rIns="71437" bIns="71437" numCol="1" anchor="ctr">
+                <a:spAutoFit/>
+              </a:bodyPr>
+              <a:lstStyle>
+                <a:lvl1pPr algn="l" defTabSz="821531">
+                  <a:defRPr sz="2400" b="0">
+                    <a:solidFill>
+                      <a:srgbClr val="FFFFFF"/>
+                    </a:solidFill>
+                    <a:latin typeface="Helvetica Neue Bold Condensed"/>
+                    <a:ea typeface="Helvetica Neue Bold Condensed"/>
+                    <a:cs typeface="Helvetica Neue Bold Condensed"/>
+                    <a:sym typeface="Helvetica Neue Bold Condensed"/>
+                  </a:defRPr>
+                </a:lvl1pPr>
+              </a:lstStyle>
+              <a:p>
+                <a:r>
+                  <a:rPr kumimoji="0" lang="en-US" altLang="zh-TW" sz="1200" b="0" i="0" u="none" strike="noStrike" cap="none" spc="0" normalizeH="0" baseline="0" dirty="0">
+                    <a:ln>
+                      <a:noFill/>
+                    </a:ln>
+                    <a:solidFill>
+                      <a:schemeClr val="tx1">
+                        <a:alpha val="15000"/>
+                      </a:schemeClr>
+                    </a:solidFill>
+                    <a:effectLst/>
+                    <a:uFillTx/>
+                    <a:latin typeface="Helvetica Neue Bold Condensed"/>
+                    <a:ea typeface="Helvetica Neue Bold Condensed"/>
+                    <a:cs typeface="Helvetica Neue Bold Condensed"/>
+                    <a:sym typeface="Helvetica Neue Bold Condensed"/>
+                  </a:rPr>
+                  <a:t>10</a:t>
+                </a:r>
+                <a:r>
+                  <a:rPr kumimoji="0" lang="zh-TW" altLang="en-US" sz="1200" b="0" i="0" u="none" strike="noStrike" cap="none" spc="0" normalizeH="0" baseline="0" dirty="0">
+                    <a:ln>
+                      <a:noFill/>
+                    </a:ln>
+                    <a:solidFill>
+                      <a:schemeClr val="tx1">
+                        <a:alpha val="15000"/>
+                      </a:schemeClr>
+                    </a:solidFill>
+                    <a:effectLst/>
+                    <a:uFillTx/>
+                    <a:sym typeface="Helvetica Neue Bold Condensed"/>
+                  </a:rPr>
+                  <a:t>程式中</a:t>
+                </a:r>
+                <a:endParaRPr sz="1400" dirty="0">
+                  <a:solidFill>
+                    <a:schemeClr val="tx1">
+                      <a:alpha val="15000"/>
+                    </a:schemeClr>
+                  </a:solidFill>
+                </a:endParaRPr>
+              </a:p>
+            </p:txBody>
+          </p:sp>
+        </p:grpSp>
+      </p:grpSp>
     </p:spTree>
     <p:extLst>
       <p:ext uri="{BB962C8B-B14F-4D97-AF65-F5344CB8AC3E}">
